--- a/Presentation.pptx
+++ b/Presentation.pptx
@@ -22,7 +22,7 @@
     <p:sldId id="269" r:id="rId13"/>
     <p:sldId id="266" r:id="rId14"/>
     <p:sldId id="267" r:id="rId15"/>
-    <p:sldId id="271" r:id="rId16"/>
+    <p:sldId id="272" r:id="rId16"/>
   </p:sldIdLst>
   <p:sldSz cx="9144000" cy="5143500" type="screen16x9"/>
   <p:notesSz cx="6858000" cy="9144000"/>
@@ -1237,7 +1237,7 @@
     </p:spTree>
     <p:extLst>
       <p:ext uri="{BB962C8B-B14F-4D97-AF65-F5344CB8AC3E}">
-        <p14:creationId xmlns:p14="http://schemas.microsoft.com/office/powerpoint/2010/main" val="2935382971"/>
+        <p14:creationId xmlns:p14="http://schemas.microsoft.com/office/powerpoint/2010/main" val="179258126"/>
       </p:ext>
     </p:extLst>
   </p:cSld>
@@ -6967,8 +6967,8 @@
         </p:nvSpPr>
         <p:spPr>
           <a:xfrm>
-            <a:off x="3843300" y="2799401"/>
-            <a:ext cx="4989000" cy="1676074"/>
+            <a:off x="3352800" y="2799401"/>
+            <a:ext cx="5479500" cy="1676074"/>
           </a:xfrm>
           <a:prstGeom prst="rect">
             <a:avLst/>
@@ -6980,32 +6980,40 @@
           </a:bodyPr>
           <a:lstStyle/>
           <a:p>
-            <a:pPr marL="0" lvl="0" indent="0" algn="r" rtl="0">
-              <a:spcBef>
-                <a:spcPts val="0"/>
-              </a:spcBef>
-              <a:spcAft>
-                <a:spcPts val="0"/>
-              </a:spcAft>
-              <a:buNone/>
-            </a:pPr>
-            <a:r>
-              <a:rPr lang="ru" sz="2000" dirty="0">
-                <a:solidFill>
-                  <a:schemeClr val="tx1"/>
-                </a:solidFill>
-              </a:rPr>
-              <a:t>Выполнили: студенты 1 группы, 3 </a:t>
-            </a:r>
-            <a:r>
-              <a:rPr lang="ru" sz="2000" dirty="0" smtClean="0">
-                <a:solidFill>
-                  <a:schemeClr val="tx1"/>
-                </a:solidFill>
-              </a:rPr>
-              <a:t>курса</a:t>
-            </a:r>
-            <a:endParaRPr sz="2000" dirty="0">
+            <a:pPr marL="0" lvl="0" indent="0" algn="r"/>
+            <a:r>
+              <a:rPr lang="ru" sz="1800" dirty="0">
+                <a:solidFill>
+                  <a:schemeClr val="tx1"/>
+                </a:solidFill>
+              </a:rPr>
+              <a:t>Выполнили: студенты </a:t>
+            </a:r>
+            <a:r>
+              <a:rPr lang="ru" sz="1800" dirty="0">
+                <a:solidFill>
+                  <a:schemeClr val="tx1"/>
+                </a:solidFill>
+              </a:rPr>
+              <a:t>3 </a:t>
+            </a:r>
+            <a:r>
+              <a:rPr lang="ru" sz="1800" dirty="0" smtClean="0">
+                <a:solidFill>
+                  <a:schemeClr val="tx1"/>
+                </a:solidFill>
+              </a:rPr>
+              <a:t>курса, 1 </a:t>
+            </a:r>
+            <a:r>
+              <a:rPr lang="ru" sz="1800" dirty="0" smtClean="0">
+                <a:solidFill>
+                  <a:schemeClr val="tx1"/>
+                </a:solidFill>
+              </a:rPr>
+              <a:t>группы </a:t>
+            </a:r>
+            <a:endParaRPr sz="1800" dirty="0">
               <a:solidFill>
                 <a:schemeClr val="tx1"/>
               </a:solidFill>
@@ -7022,14 +7030,14 @@
               <a:buNone/>
             </a:pPr>
             <a:r>
-              <a:rPr lang="ru" sz="2000" dirty="0">
+              <a:rPr lang="ru" sz="1800" dirty="0">
                 <a:solidFill>
                   <a:schemeClr val="tx1"/>
                 </a:solidFill>
               </a:rPr>
               <a:t>Никулин Р. А., </a:t>
             </a:r>
-            <a:endParaRPr sz="2000" dirty="0">
+            <a:endParaRPr sz="1800" dirty="0">
               <a:solidFill>
                 <a:schemeClr val="tx1"/>
               </a:solidFill>
@@ -7046,7 +7054,7 @@
               <a:buNone/>
             </a:pPr>
             <a:r>
-              <a:rPr lang="ru" sz="2000" dirty="0" smtClean="0">
+              <a:rPr lang="ru" sz="1800" dirty="0" smtClean="0">
                 <a:solidFill>
                   <a:schemeClr val="tx1"/>
                 </a:solidFill>
@@ -7054,14 +7062,14 @@
               <a:t>Дремин </a:t>
             </a:r>
             <a:r>
-              <a:rPr lang="ru" sz="2000" dirty="0">
+              <a:rPr lang="ru" sz="1800" dirty="0">
                 <a:solidFill>
                   <a:schemeClr val="tx1"/>
                 </a:solidFill>
               </a:rPr>
               <a:t>М. Б., </a:t>
             </a:r>
-            <a:endParaRPr sz="2000" dirty="0">
+            <a:endParaRPr sz="1800" dirty="0">
               <a:solidFill>
                 <a:schemeClr val="tx1"/>
               </a:solidFill>
@@ -7078,7 +7086,7 @@
               <a:buNone/>
             </a:pPr>
             <a:r>
-              <a:rPr lang="ru" sz="2000" dirty="0">
+              <a:rPr lang="ru" sz="1800" dirty="0">
                 <a:solidFill>
                   <a:schemeClr val="tx1"/>
                 </a:solidFill>
@@ -7086,7 +7094,7 @@
               <a:t>Стратиенко С. В</a:t>
             </a:r>
             <a:r>
-              <a:rPr lang="ru" sz="2000" dirty="0" smtClean="0">
+              <a:rPr lang="ru" sz="1800" dirty="0" smtClean="0">
                 <a:solidFill>
                   <a:schemeClr val="tx1"/>
                 </a:solidFill>
@@ -7105,14 +7113,30 @@
               <a:buNone/>
             </a:pPr>
             <a:r>
-              <a:rPr lang="ru" sz="2000" dirty="0" smtClean="0">
-                <a:solidFill>
-                  <a:schemeClr val="tx1"/>
-                </a:solidFill>
-              </a:rPr>
-              <a:t>Научный руководитель: Иванов И.Ю. </a:t>
-            </a:r>
-            <a:endParaRPr sz="2000" dirty="0">
+              <a:rPr lang="ru" sz="1800" dirty="0" smtClean="0">
+                <a:solidFill>
+                  <a:schemeClr val="tx1"/>
+                </a:solidFill>
+              </a:rPr>
+              <a:t>Научный руководитель: </a:t>
+            </a:r>
+            <a:r>
+              <a:rPr lang="ru" sz="1800" dirty="0" smtClean="0">
+                <a:solidFill>
+                  <a:schemeClr val="tx1"/>
+                </a:solidFill>
+              </a:rPr>
+              <a:t>преп. Иванов </a:t>
+            </a:r>
+            <a:r>
+              <a:rPr lang="ru" sz="1800" dirty="0" smtClean="0">
+                <a:solidFill>
+                  <a:schemeClr val="tx1"/>
+                </a:solidFill>
+              </a:rPr>
+              <a:t>И.Ю. </a:t>
+            </a:r>
+            <a:endParaRPr sz="1800" dirty="0">
               <a:solidFill>
                 <a:schemeClr val="tx1"/>
               </a:solidFill>
@@ -7259,7 +7283,15 @@
                   <a:schemeClr val="dk1"/>
                 </a:solidFill>
               </a:rPr>
-              <a:t>Кафедра информационных систем и сетевых технологий</a:t>
+              <a:t>Кафедра информационных </a:t>
+            </a:r>
+            <a:r>
+              <a:rPr lang="ru" sz="2000" dirty="0" smtClean="0">
+                <a:solidFill>
+                  <a:schemeClr val="dk1"/>
+                </a:solidFill>
+              </a:rPr>
+              <a:t>систем</a:t>
             </a:r>
             <a:endParaRPr sz="2000" dirty="0">
               <a:solidFill>
@@ -7663,14 +7695,60 @@
         </p:blipFill>
         <p:spPr>
           <a:xfrm>
-            <a:off x="462199" y="579863"/>
-            <a:ext cx="4548416" cy="4373993"/>
+            <a:off x="311699" y="578506"/>
+            <a:ext cx="4984695" cy="4373993"/>
           </a:xfrm>
           <a:prstGeom prst="rect">
             <a:avLst/>
           </a:prstGeom>
         </p:spPr>
       </p:pic>
+      <p:sp>
+        <p:nvSpPr>
+          <p:cNvPr id="5" name="TextBox 4"/>
+          <p:cNvSpPr txBox="1"/>
+          <p:nvPr/>
+        </p:nvSpPr>
+        <p:spPr>
+          <a:xfrm>
+            <a:off x="5545777" y="578505"/>
+            <a:ext cx="2838203" cy="2031325"/>
+          </a:xfrm>
+          <a:prstGeom prst="rect">
+            <a:avLst/>
+          </a:prstGeom>
+          <a:noFill/>
+        </p:spPr>
+        <p:txBody>
+          <a:bodyPr wrap="square" rtlCol="0">
+            <a:spAutoFit/>
+          </a:bodyPr>
+          <a:lstStyle/>
+          <a:p>
+            <a:r>
+              <a:rPr lang="ru-RU" sz="1800" dirty="0"/>
+              <a:t>Система предусматривает развертывание сервера </a:t>
+            </a:r>
+            <a:r>
+              <a:rPr lang="ru-RU" sz="1800" dirty="0" err="1"/>
+              <a:t>Flask</a:t>
+            </a:r>
+            <a:r>
+              <a:rPr lang="ru-RU" sz="1800" dirty="0"/>
+              <a:t> с базой данных </a:t>
+            </a:r>
+            <a:r>
+              <a:rPr lang="ru-RU" sz="1800" dirty="0" err="1"/>
+              <a:t>SQLite</a:t>
+            </a:r>
+            <a:r>
+              <a:rPr lang="ru-RU" sz="1800" dirty="0"/>
+              <a:t> на мощностях клиента в пределах локальной сети клиента.</a:t>
+            </a:r>
+            <a:endParaRPr lang="ru-RU" sz="1800" dirty="0"/>
+          </a:p>
+        </p:txBody>
+      </p:sp>
     </p:spTree>
     <p:extLst>
       <p:ext uri="{BB962C8B-B14F-4D97-AF65-F5344CB8AC3E}">
@@ -7681,6 +7759,13 @@
   <p:clrMapOvr>
     <a:masterClrMapping/>
   </p:clrMapOvr>
+  <p:timing>
+    <p:tnLst>
+      <p:par>
+        <p:cTn id="1" dur="indefinite" restart="never" nodeType="tmRoot"/>
+      </p:par>
+    </p:tnLst>
+  </p:timing>
 </p:sld>
 </file>
 
@@ -7796,8 +7881,8 @@
         </p:blipFill>
         <p:spPr>
           <a:xfrm>
-            <a:off x="1134375" y="1053100"/>
-            <a:ext cx="7490926" cy="3864451"/>
+            <a:off x="1082084" y="1053100"/>
+            <a:ext cx="7543217" cy="3864451"/>
           </a:xfrm>
           <a:prstGeom prst="rect">
             <a:avLst/>
@@ -8551,8 +8636,8 @@
         </p:nvSpPr>
         <p:spPr>
           <a:xfrm>
-            <a:off x="3843300" y="2799401"/>
-            <a:ext cx="4989000" cy="1676074"/>
+            <a:off x="3352800" y="2799401"/>
+            <a:ext cx="5479500" cy="1676074"/>
           </a:xfrm>
           <a:prstGeom prst="rect">
             <a:avLst/>
@@ -8564,32 +8649,40 @@
           </a:bodyPr>
           <a:lstStyle/>
           <a:p>
-            <a:pPr marL="0" lvl="0" indent="0" algn="r" rtl="0">
-              <a:spcBef>
-                <a:spcPts val="0"/>
-              </a:spcBef>
-              <a:spcAft>
-                <a:spcPts val="0"/>
-              </a:spcAft>
-              <a:buNone/>
-            </a:pPr>
-            <a:r>
-              <a:rPr lang="ru" sz="2000" dirty="0">
-                <a:solidFill>
-                  <a:schemeClr val="tx1"/>
-                </a:solidFill>
-              </a:rPr>
-              <a:t>Выполнили: студенты 1 группы, 3 </a:t>
-            </a:r>
-            <a:r>
-              <a:rPr lang="ru" sz="2000" dirty="0" smtClean="0">
-                <a:solidFill>
-                  <a:schemeClr val="tx1"/>
-                </a:solidFill>
-              </a:rPr>
-              <a:t>курса</a:t>
-            </a:r>
-            <a:endParaRPr sz="2000" dirty="0">
+            <a:pPr marL="0" lvl="0" indent="0" algn="r"/>
+            <a:r>
+              <a:rPr lang="ru" sz="1800" dirty="0">
+                <a:solidFill>
+                  <a:schemeClr val="tx1"/>
+                </a:solidFill>
+              </a:rPr>
+              <a:t>Выполнили: студенты </a:t>
+            </a:r>
+            <a:r>
+              <a:rPr lang="ru" sz="1800" dirty="0">
+                <a:solidFill>
+                  <a:schemeClr val="tx1"/>
+                </a:solidFill>
+              </a:rPr>
+              <a:t>3 </a:t>
+            </a:r>
+            <a:r>
+              <a:rPr lang="ru" sz="1800" dirty="0" smtClean="0">
+                <a:solidFill>
+                  <a:schemeClr val="tx1"/>
+                </a:solidFill>
+              </a:rPr>
+              <a:t>курса, 1 </a:t>
+            </a:r>
+            <a:r>
+              <a:rPr lang="ru" sz="1800" dirty="0" smtClean="0">
+                <a:solidFill>
+                  <a:schemeClr val="tx1"/>
+                </a:solidFill>
+              </a:rPr>
+              <a:t>группы </a:t>
+            </a:r>
+            <a:endParaRPr sz="1800" dirty="0">
               <a:solidFill>
                 <a:schemeClr val="tx1"/>
               </a:solidFill>
@@ -8606,14 +8699,14 @@
               <a:buNone/>
             </a:pPr>
             <a:r>
-              <a:rPr lang="ru" sz="2000" dirty="0">
+              <a:rPr lang="ru" sz="1800" dirty="0">
                 <a:solidFill>
                   <a:schemeClr val="tx1"/>
                 </a:solidFill>
               </a:rPr>
               <a:t>Никулин Р. А., </a:t>
             </a:r>
-            <a:endParaRPr sz="2000" dirty="0">
+            <a:endParaRPr sz="1800" dirty="0">
               <a:solidFill>
                 <a:schemeClr val="tx1"/>
               </a:solidFill>
@@ -8630,7 +8723,7 @@
               <a:buNone/>
             </a:pPr>
             <a:r>
-              <a:rPr lang="ru" sz="2000" dirty="0" smtClean="0">
+              <a:rPr lang="ru" sz="1800" dirty="0" smtClean="0">
                 <a:solidFill>
                   <a:schemeClr val="tx1"/>
                 </a:solidFill>
@@ -8638,14 +8731,14 @@
               <a:t>Дремин </a:t>
             </a:r>
             <a:r>
-              <a:rPr lang="ru" sz="2000" dirty="0">
+              <a:rPr lang="ru" sz="1800" dirty="0">
                 <a:solidFill>
                   <a:schemeClr val="tx1"/>
                 </a:solidFill>
               </a:rPr>
               <a:t>М. Б., </a:t>
             </a:r>
-            <a:endParaRPr sz="2000" dirty="0">
+            <a:endParaRPr sz="1800" dirty="0">
               <a:solidFill>
                 <a:schemeClr val="tx1"/>
               </a:solidFill>
@@ -8662,7 +8755,7 @@
               <a:buNone/>
             </a:pPr>
             <a:r>
-              <a:rPr lang="ru" sz="2000" dirty="0">
+              <a:rPr lang="ru" sz="1800" dirty="0">
                 <a:solidFill>
                   <a:schemeClr val="tx1"/>
                 </a:solidFill>
@@ -8670,7 +8763,7 @@
               <a:t>Стратиенко С. В</a:t>
             </a:r>
             <a:r>
-              <a:rPr lang="ru" sz="2000" dirty="0" smtClean="0">
+              <a:rPr lang="ru" sz="1800" dirty="0" smtClean="0">
                 <a:solidFill>
                   <a:schemeClr val="tx1"/>
                 </a:solidFill>
@@ -8689,14 +8782,30 @@
               <a:buNone/>
             </a:pPr>
             <a:r>
-              <a:rPr lang="ru" sz="2000" dirty="0" smtClean="0">
-                <a:solidFill>
-                  <a:schemeClr val="tx1"/>
-                </a:solidFill>
-              </a:rPr>
-              <a:t>Научный руководитель: Иванов И.Ю. </a:t>
-            </a:r>
-            <a:endParaRPr sz="2000" dirty="0">
+              <a:rPr lang="ru" sz="1800" dirty="0" smtClean="0">
+                <a:solidFill>
+                  <a:schemeClr val="tx1"/>
+                </a:solidFill>
+              </a:rPr>
+              <a:t>Научный руководитель: </a:t>
+            </a:r>
+            <a:r>
+              <a:rPr lang="ru" sz="1800" dirty="0" smtClean="0">
+                <a:solidFill>
+                  <a:schemeClr val="tx1"/>
+                </a:solidFill>
+              </a:rPr>
+              <a:t>преп. Иванов </a:t>
+            </a:r>
+            <a:r>
+              <a:rPr lang="ru" sz="1800" dirty="0" smtClean="0">
+                <a:solidFill>
+                  <a:schemeClr val="tx1"/>
+                </a:solidFill>
+              </a:rPr>
+              <a:t>И.Ю. </a:t>
+            </a:r>
+            <a:endParaRPr sz="1800" dirty="0">
               <a:solidFill>
                 <a:schemeClr val="tx1"/>
               </a:solidFill>
@@ -8843,7 +8952,15 @@
                   <a:schemeClr val="dk1"/>
                 </a:solidFill>
               </a:rPr>
-              <a:t>Кафедра информационных систем и сетевых технологий</a:t>
+              <a:t>Кафедра информационных </a:t>
+            </a:r>
+            <a:r>
+              <a:rPr lang="ru" sz="2000" dirty="0" smtClean="0">
+                <a:solidFill>
+                  <a:schemeClr val="dk1"/>
+                </a:solidFill>
+              </a:rPr>
+              <a:t>систем</a:t>
             </a:r>
             <a:endParaRPr sz="2000" dirty="0">
               <a:solidFill>
@@ -8856,7 +8973,7 @@
     </p:spTree>
     <p:extLst>
       <p:ext uri="{BB962C8B-B14F-4D97-AF65-F5344CB8AC3E}">
-        <p14:creationId xmlns:p14="http://schemas.microsoft.com/office/powerpoint/2010/main" val="820469424"/>
+        <p14:creationId xmlns:p14="http://schemas.microsoft.com/office/powerpoint/2010/main" val="757791431"/>
       </p:ext>
     </p:extLst>
   </p:cSld>
@@ -9712,21 +9829,8 @@
                   <a:schemeClr val="tx1"/>
                 </a:solidFill>
               </a:rPr>
-              <a:t>Для повышения эффективности работы сотрудников и производительности </a:t>
-            </a:r>
-            <a:r>
-              <a:rPr lang="ru-RU" dirty="0" smtClean="0">
-                <a:solidFill>
-                  <a:schemeClr val="tx1"/>
-                </a:solidFill>
-              </a:rPr>
-              <a:t>труда</a:t>
-            </a:r>
-            <a:endParaRPr lang="ru-RU" dirty="0" smtClean="0">
-              <a:solidFill>
-                <a:schemeClr val="tx1"/>
-              </a:solidFill>
-            </a:endParaRPr>
+              <a:t>Для повышения эффективности работы сотрудников и производительности труда</a:t>
+            </a:r>
           </a:p>
           <a:p>
             <a:pPr>
@@ -9756,15 +9860,7 @@
                   <a:schemeClr val="tx1"/>
                 </a:solidFill>
               </a:rPr>
-              <a:t>трудовой дисциплины и стимулирования </a:t>
-            </a:r>
-            <a:r>
-              <a:rPr lang="ru-RU" dirty="0" smtClean="0">
-                <a:solidFill>
-                  <a:schemeClr val="tx1"/>
-                </a:solidFill>
-              </a:rPr>
-              <a:t>работников</a:t>
+              <a:t>трудовой дисциплины и стимулирования работников</a:t>
             </a:r>
             <a:endParaRPr lang="ru-RU" dirty="0">
               <a:solidFill>
@@ -9810,11 +9906,6 @@
               </a:rPr>
               <a:t>платы</a:t>
             </a:r>
-            <a:endParaRPr lang="ru-RU" dirty="0" smtClean="0">
-              <a:solidFill>
-                <a:schemeClr val="tx1"/>
-              </a:solidFill>
-            </a:endParaRPr>
           </a:p>
           <a:p>
             <a:pPr marL="114300" indent="0">
@@ -10010,8 +10101,8 @@
         </p:nvSpPr>
         <p:spPr>
           <a:xfrm>
-            <a:off x="5520013" y="0"/>
-            <a:ext cx="3623988" cy="5143500"/>
+            <a:off x="6483927" y="83126"/>
+            <a:ext cx="2660074" cy="5060373"/>
           </a:xfrm>
           <a:prstGeom prst="rect">
             <a:avLst/>
@@ -10030,50 +10121,26 @@
               <a:buNone/>
             </a:pPr>
             <a:r>
-              <a:rPr lang="ru-RU" sz="1400" dirty="0" smtClean="0">
-                <a:solidFill>
-                  <a:schemeClr val="tx1"/>
-                </a:solidFill>
-              </a:rPr>
-              <a:t>Данный сервис создан в целях контроля и оценки рабочего времени сотрудников </a:t>
-            </a:r>
-            <a:r>
-              <a:rPr lang="en-US" sz="1400" dirty="0" smtClean="0">
-                <a:solidFill>
-                  <a:schemeClr val="tx1"/>
-                </a:solidFill>
-              </a:rPr>
-              <a:t>IT</a:t>
-            </a:r>
-            <a:r>
-              <a:rPr lang="ru-RU" sz="1400" dirty="0" smtClean="0">
-                <a:solidFill>
-                  <a:schemeClr val="tx1"/>
-                </a:solidFill>
-              </a:rPr>
-              <a:t>-компании. Основная идея – обеспечение заинтересованной стороны инструментарием для автоматизированной оценки усилий работников исходя из времени, уделенного ими работе.</a:t>
-            </a:r>
-          </a:p>
-          <a:p>
-            <a:pPr marL="0" lvl="0" indent="0">
-              <a:spcAft>
-                <a:spcPts val="1600"/>
-              </a:spcAft>
-              <a:buNone/>
-            </a:pPr>
-            <a:r>
-              <a:rPr lang="ru-RU" sz="1400" dirty="0" smtClean="0">
-                <a:solidFill>
-                  <a:schemeClr val="tx1"/>
-                </a:solidFill>
-              </a:rPr>
-              <a:t> Использование разрабатываемого продукта в перспективе способно упростить задачи, зачастую выполняемые “на бумаге”, например:</a:t>
+              <a:rPr lang="ru-RU" sz="1600" dirty="0" smtClean="0">
+                <a:solidFill>
+                  <a:schemeClr val="tx1"/>
+                </a:solidFill>
+              </a:rPr>
+              <a:t>Использование </a:t>
+            </a:r>
+            <a:r>
+              <a:rPr lang="ru-RU" sz="1600" dirty="0" smtClean="0">
+                <a:solidFill>
+                  <a:schemeClr val="tx1"/>
+                </a:solidFill>
+              </a:rPr>
+              <a:t>разрабатываемого продукта в перспективе способно упростить задачи, зачастую выполняемые “на бумаге”, например:</a:t>
             </a:r>
           </a:p>
           <a:p>
             <a:pPr lvl="0"/>
             <a:r>
-              <a:rPr lang="ru-RU" sz="1400" dirty="0" smtClean="0">
+              <a:rPr lang="ru-RU" sz="1600" dirty="0" smtClean="0">
                 <a:solidFill>
                   <a:schemeClr val="tx1"/>
                 </a:solidFill>
@@ -10084,7 +10151,7 @@
           <a:p>
             <a:pPr lvl="0"/>
             <a:r>
-              <a:rPr lang="ru-RU" sz="1400" dirty="0" smtClean="0">
+              <a:rPr lang="ru-RU" sz="1600" dirty="0" smtClean="0">
                 <a:solidFill>
                   <a:schemeClr val="tx1"/>
                 </a:solidFill>
@@ -10094,7 +10161,7 @@
           </a:p>
           <a:p>
             <a:r>
-              <a:rPr lang="ru-RU" sz="1400" dirty="0" smtClean="0">
+              <a:rPr lang="ru-RU" sz="1600" dirty="0" smtClean="0">
                 <a:solidFill>
                   <a:schemeClr val="tx1"/>
                 </a:solidFill>
@@ -10121,8 +10188,8 @@
         </p:blipFill>
         <p:spPr bwMode="auto">
           <a:xfrm>
-            <a:off x="207665" y="629392"/>
-            <a:ext cx="5312347" cy="3458218"/>
+            <a:off x="207665" y="629391"/>
+            <a:ext cx="6276262" cy="4085705"/>
           </a:xfrm>
           <a:prstGeom prst="rect">
             <a:avLst/>
@@ -10210,7 +10277,11 @@
           <a:bodyPr/>
           <a:lstStyle/>
           <a:p>
-            <a:pPr lvl="0"/>
+            <a:pPr lvl="0">
+              <a:lnSpc>
+                <a:spcPct val="150000"/>
+              </a:lnSpc>
+            </a:pPr>
             <a:r>
               <a:rPr lang="ru-RU" dirty="0">
                 <a:solidFill>
@@ -10233,11 +10304,16 @@
                   <a:schemeClr val="tx1"/>
                 </a:solidFill>
               </a:rPr>
-              <a:t>-сервер</a:t>
-            </a:r>
-          </a:p>
-          <a:p>
-            <a:pPr lvl="0"/>
+              <a:t>-сервер;</a:t>
+            </a:r>
+          </a:p>
+          <a:p>
+            <a:pPr marL="114300" lvl="0" indent="0">
+              <a:lnSpc>
+                <a:spcPct val="150000"/>
+              </a:lnSpc>
+              <a:buNone/>
+            </a:pPr>
             <a:endParaRPr lang="ru-RU" dirty="0">
               <a:solidFill>
                 <a:schemeClr val="tx1"/>
@@ -10245,6 +10321,11 @@
             </a:endParaRPr>
           </a:p>
           <a:p>
+            <a:pPr>
+              <a:lnSpc>
+                <a:spcPct val="150000"/>
+              </a:lnSpc>
+            </a:pPr>
             <a:r>
               <a:rPr lang="ru-RU" dirty="0">
                 <a:solidFill>
@@ -10259,8 +10340,29 @@
                   <a:schemeClr val="tx1"/>
                 </a:solidFill>
               </a:rPr>
-              <a:t>системы</a:t>
-            </a:r>
+              <a:t>системы;</a:t>
+            </a:r>
+          </a:p>
+          <a:p>
+            <a:pPr marL="114300" indent="0">
+              <a:lnSpc>
+                <a:spcPct val="150000"/>
+              </a:lnSpc>
+              <a:buNone/>
+            </a:pPr>
+            <a:endParaRPr lang="ru-RU" dirty="0" smtClean="0">
+              <a:solidFill>
+                <a:schemeClr val="tx1"/>
+              </a:solidFill>
+            </a:endParaRPr>
+          </a:p>
+          <a:p>
+            <a:pPr marL="114300" indent="0">
+              <a:lnSpc>
+                <a:spcPct val="150000"/>
+              </a:lnSpc>
+              <a:buNone/>
+            </a:pPr>
             <a:endParaRPr lang="ru-RU" dirty="0">
               <a:solidFill>
                 <a:schemeClr val="tx1"/>
@@ -10402,8 +10504,8 @@
         </p:blipFill>
         <p:spPr>
           <a:xfrm>
-            <a:off x="180525" y="607797"/>
-            <a:ext cx="4860850" cy="3754971"/>
+            <a:off x="120314" y="553134"/>
+            <a:ext cx="4921059" cy="3781360"/>
           </a:xfrm>
           <a:prstGeom prst="rect">
             <a:avLst/>
@@ -10420,18 +10522,17 @@
           <p:cNvPicPr preferRelativeResize="0"/>
           <p:nvPr/>
         </p:nvPicPr>
-        <p:blipFill>
+        <p:blipFill rotWithShape="1">
           <a:blip r:embed="rId4">
             <a:alphaModFix/>
           </a:blip>
-          <a:stretch>
-            <a:fillRect/>
-          </a:stretch>
+          <a:srcRect l="2450" t="2071" r="3072" b="5948"/>
+          <a:stretch/>
         </p:blipFill>
         <p:spPr>
           <a:xfrm>
-            <a:off x="4936273" y="607797"/>
-            <a:ext cx="4034778" cy="2762861"/>
+            <a:off x="5041374" y="635903"/>
+            <a:ext cx="3929677" cy="2541320"/>
           </a:xfrm>
           <a:prstGeom prst="rect">
             <a:avLst/>
@@ -11613,8 +11714,8 @@
         </p:nvSpPr>
         <p:spPr>
           <a:xfrm>
-            <a:off x="5259420" y="1152475"/>
-            <a:ext cx="3572879" cy="3416400"/>
+            <a:off x="5868978" y="110489"/>
+            <a:ext cx="3120267" cy="4794020"/>
           </a:xfrm>
           <a:prstGeom prst="rect">
             <a:avLst/>
@@ -11626,15 +11727,58 @@
           </a:bodyPr>
           <a:lstStyle/>
           <a:p>
-            <a:pPr marL="0" lvl="0" indent="0" algn="l" rtl="0">
-              <a:spcBef>
-                <a:spcPts val="0"/>
-              </a:spcBef>
-              <a:spcAft>
-                <a:spcPts val="1600"/>
-              </a:spcAft>
-              <a:buNone/>
-            </a:pPr>
+            <a:pPr marL="114300" indent="0">
+              <a:buNone/>
+            </a:pPr>
+            <a:r>
+              <a:rPr lang="ru-RU" dirty="0" smtClean="0">
+                <a:solidFill>
+                  <a:schemeClr val="tx1"/>
+                </a:solidFill>
+              </a:rPr>
+              <a:t>При авторизации пользователя начинается </a:t>
+            </a:r>
+            <a:r>
+              <a:rPr lang="ru-RU" dirty="0">
+                <a:solidFill>
+                  <a:schemeClr val="tx1"/>
+                </a:solidFill>
+              </a:rPr>
+              <a:t>отсчет времени его текущего рабочего дня. Пользователь может выполнять сценарии, которые соответствуют его </a:t>
+            </a:r>
+            <a:r>
+              <a:rPr lang="ru-RU" dirty="0" smtClean="0">
+                <a:solidFill>
+                  <a:schemeClr val="tx1"/>
+                </a:solidFill>
+              </a:rPr>
+              <a:t>роли. При </a:t>
+            </a:r>
+            <a:r>
+              <a:rPr lang="ru-RU" dirty="0">
+                <a:solidFill>
+                  <a:schemeClr val="tx1"/>
+                </a:solidFill>
+              </a:rPr>
+              <a:t>выходе пользователя из системы отсчет текущего рабочего дня заканчивается.</a:t>
+            </a:r>
+            <a:endParaRPr lang="ru-RU" dirty="0">
+              <a:solidFill>
+                <a:schemeClr val="tx1"/>
+              </a:solidFill>
+            </a:endParaRPr>
+          </a:p>
+          <a:p>
+            <a:pPr marL="114300" indent="0">
+              <a:buNone/>
+            </a:pPr>
+            <a:r>
+              <a:rPr lang="ru-RU" dirty="0"/>
+              <a:t/>
+            </a:r>
+            <a:br>
+              <a:rPr lang="ru-RU" dirty="0"/>
+            </a:br>
             <a:endParaRPr dirty="0"/>
           </a:p>
         </p:txBody>
@@ -11656,8 +11800,8 @@
         </p:blipFill>
         <p:spPr bwMode="auto">
           <a:xfrm>
-            <a:off x="154753" y="587298"/>
-            <a:ext cx="4624456" cy="4034486"/>
+            <a:off x="154752" y="587298"/>
+            <a:ext cx="5557279" cy="4453434"/>
           </a:xfrm>
           <a:prstGeom prst="rect">
             <a:avLst/>

--- a/Presentation.pptx
+++ b/Presentation.pptx
@@ -5,7 +5,7 @@
     <p:sldMasterId id="2147483659" r:id="rId1"/>
   </p:sldMasterIdLst>
   <p:notesMasterIdLst>
-    <p:notesMasterId r:id="rId17"/>
+    <p:notesMasterId r:id="rId16"/>
   </p:notesMasterIdLst>
   <p:sldIdLst>
     <p:sldId id="256" r:id="rId2"/>
@@ -15,24 +15,23 @@
     <p:sldId id="268" r:id="rId6"/>
     <p:sldId id="260" r:id="rId7"/>
     <p:sldId id="261" r:id="rId8"/>
-    <p:sldId id="262" r:id="rId9"/>
-    <p:sldId id="263" r:id="rId10"/>
-    <p:sldId id="264" r:id="rId11"/>
-    <p:sldId id="265" r:id="rId12"/>
-    <p:sldId id="269" r:id="rId13"/>
-    <p:sldId id="266" r:id="rId14"/>
-    <p:sldId id="267" r:id="rId15"/>
-    <p:sldId id="272" r:id="rId16"/>
+    <p:sldId id="263" r:id="rId9"/>
+    <p:sldId id="264" r:id="rId10"/>
+    <p:sldId id="265" r:id="rId11"/>
+    <p:sldId id="269" r:id="rId12"/>
+    <p:sldId id="266" r:id="rId13"/>
+    <p:sldId id="267" r:id="rId14"/>
+    <p:sldId id="272" r:id="rId15"/>
   </p:sldIdLst>
   <p:sldSz cx="9144000" cy="5143500" type="screen16x9"/>
   <p:notesSz cx="6858000" cy="9144000"/>
   <p:embeddedFontLst>
     <p:embeddedFont>
       <p:font typeface="Roboto" panose="020B0604020202020204" charset="0"/>
-      <p:regular r:id="rId18"/>
-      <p:bold r:id="rId19"/>
-      <p:italic r:id="rId20"/>
-      <p:boldItalic r:id="rId21"/>
+      <p:regular r:id="rId17"/>
+      <p:bold r:id="rId18"/>
+      <p:italic r:id="rId19"/>
+      <p:boldItalic r:id="rId20"/>
     </p:embeddedFont>
   </p:embeddedFontLst>
   <p:defaultTextStyle>
@@ -831,110 +830,6 @@
   <p:cSld>
     <p:spTree>
       <p:nvGrpSpPr>
-        <p:cNvPr id="1" name="Shape 112"/>
-        <p:cNvGrpSpPr/>
-        <p:nvPr/>
-      </p:nvGrpSpPr>
-      <p:grpSpPr>
-        <a:xfrm>
-          <a:off x="0" y="0"/>
-          <a:ext cx="0" cy="0"/>
-          <a:chOff x="0" y="0"/>
-          <a:chExt cx="0" cy="0"/>
-        </a:xfrm>
-      </p:grpSpPr>
-      <p:sp>
-        <p:nvSpPr>
-          <p:cNvPr id="113" name="Google Shape;113;g58aa05be0e_3_2:notes"/>
-          <p:cNvSpPr>
-            <a:spLocks noGrp="1" noRot="1" noChangeAspect="1"/>
-          </p:cNvSpPr>
-          <p:nvPr>
-            <p:ph type="sldImg" idx="2"/>
-          </p:nvPr>
-        </p:nvSpPr>
-        <p:spPr>
-          <a:xfrm>
-            <a:off x="381000" y="685800"/>
-            <a:ext cx="6096000" cy="3429000"/>
-          </a:xfrm>
-          <a:custGeom>
-            <a:avLst/>
-            <a:gdLst/>
-            <a:ahLst/>
-            <a:cxnLst/>
-            <a:rect l="l" t="t" r="r" b="b"/>
-            <a:pathLst>
-              <a:path w="120000" h="120000" extrusionOk="0">
-                <a:moveTo>
-                  <a:pt x="0" y="0"/>
-                </a:moveTo>
-                <a:lnTo>
-                  <a:pt x="120000" y="0"/>
-                </a:lnTo>
-                <a:lnTo>
-                  <a:pt x="120000" y="120000"/>
-                </a:lnTo>
-                <a:lnTo>
-                  <a:pt x="0" y="120000"/>
-                </a:lnTo>
-                <a:close/>
-              </a:path>
-            </a:pathLst>
-          </a:custGeom>
-        </p:spPr>
-      </p:sp>
-      <p:sp>
-        <p:nvSpPr>
-          <p:cNvPr id="114" name="Google Shape;114;g58aa05be0e_3_2:notes"/>
-          <p:cNvSpPr txBox="1">
-            <a:spLocks noGrp="1"/>
-          </p:cNvSpPr>
-          <p:nvPr>
-            <p:ph type="body" idx="1"/>
-          </p:nvPr>
-        </p:nvSpPr>
-        <p:spPr>
-          <a:xfrm>
-            <a:off x="685800" y="4343400"/>
-            <a:ext cx="5486400" cy="4114800"/>
-          </a:xfrm>
-          <a:prstGeom prst="rect">
-            <a:avLst/>
-          </a:prstGeom>
-        </p:spPr>
-        <p:txBody>
-          <a:bodyPr spcFirstLastPara="1" wrap="square" lIns="91425" tIns="91425" rIns="91425" bIns="91425" anchor="t" anchorCtr="0">
-            <a:noAutofit/>
-          </a:bodyPr>
-          <a:lstStyle/>
-          <a:p>
-            <a:pPr marL="0" lvl="0" indent="0" algn="l" rtl="0">
-              <a:spcBef>
-                <a:spcPts val="0"/>
-              </a:spcBef>
-              <a:spcAft>
-                <a:spcPts val="0"/>
-              </a:spcAft>
-              <a:buNone/>
-            </a:pPr>
-            <a:endParaRPr/>
-          </a:p>
-        </p:txBody>
-      </p:sp>
-    </p:spTree>
-  </p:cSld>
-  <p:clrMapOvr>
-    <a:masterClrMapping/>
-  </p:clrMapOvr>
-</p:notes>
-</file>
-
-<file path=ppt/notesSlides/notesSlide11.xml><?xml version="1.0" encoding="utf-8"?>
-<p:notes xmlns:a="http://schemas.openxmlformats.org/drawingml/2006/main" xmlns:r="http://schemas.openxmlformats.org/officeDocument/2006/relationships" xmlns:p="http://schemas.openxmlformats.org/presentationml/2006/main" showMasterSp="0" showMasterPhAnim="0">
-  <p:cSld>
-    <p:spTree>
-      <p:nvGrpSpPr>
         <p:cNvPr id="1" name="Shape 119"/>
         <p:cNvGrpSpPr/>
         <p:nvPr/>
@@ -1034,7 +929,7 @@
 </p:notes>
 </file>
 
-<file path=ppt/notesSlides/notesSlide12.xml><?xml version="1.0" encoding="utf-8"?>
+<file path=ppt/notesSlides/notesSlide11.xml><?xml version="1.0" encoding="utf-8"?>
 <p:notes xmlns:a="http://schemas.openxmlformats.org/drawingml/2006/main" xmlns:r="http://schemas.openxmlformats.org/officeDocument/2006/relationships" xmlns:p="http://schemas.openxmlformats.org/presentationml/2006/main" showMasterSp="0" showMasterPhAnim="0">
   <p:cSld>
     <p:spTree>
@@ -1138,7 +1033,7 @@
 </p:notes>
 </file>
 
-<file path=ppt/notesSlides/notesSlide13.xml><?xml version="1.0" encoding="utf-8"?>
+<file path=ppt/notesSlides/notesSlide12.xml><?xml version="1.0" encoding="utf-8"?>
 <p:notes xmlns:a="http://schemas.openxmlformats.org/drawingml/2006/main" xmlns:r="http://schemas.openxmlformats.org/officeDocument/2006/relationships" xmlns:p="http://schemas.openxmlformats.org/presentationml/2006/main" showMasterSp="0" showMasterPhAnim="0">
   <p:cSld>
     <p:spTree>
@@ -1772,110 +1667,6 @@
   <p:cSld>
     <p:spTree>
       <p:nvGrpSpPr>
-        <p:cNvPr id="1" name="Shape 93"/>
-        <p:cNvGrpSpPr/>
-        <p:nvPr/>
-      </p:nvGrpSpPr>
-      <p:grpSpPr>
-        <a:xfrm>
-          <a:off x="0" y="0"/>
-          <a:ext cx="0" cy="0"/>
-          <a:chOff x="0" y="0"/>
-          <a:chExt cx="0" cy="0"/>
-        </a:xfrm>
-      </p:grpSpPr>
-      <p:sp>
-        <p:nvSpPr>
-          <p:cNvPr id="94" name="Google Shape;94;g58aa05be0e_0_37:notes"/>
-          <p:cNvSpPr>
-            <a:spLocks noGrp="1" noRot="1" noChangeAspect="1"/>
-          </p:cNvSpPr>
-          <p:nvPr>
-            <p:ph type="sldImg" idx="2"/>
-          </p:nvPr>
-        </p:nvSpPr>
-        <p:spPr>
-          <a:xfrm>
-            <a:off x="381000" y="685800"/>
-            <a:ext cx="6096000" cy="3429000"/>
-          </a:xfrm>
-          <a:custGeom>
-            <a:avLst/>
-            <a:gdLst/>
-            <a:ahLst/>
-            <a:cxnLst/>
-            <a:rect l="l" t="t" r="r" b="b"/>
-            <a:pathLst>
-              <a:path w="120000" h="120000" extrusionOk="0">
-                <a:moveTo>
-                  <a:pt x="0" y="0"/>
-                </a:moveTo>
-                <a:lnTo>
-                  <a:pt x="120000" y="0"/>
-                </a:lnTo>
-                <a:lnTo>
-                  <a:pt x="120000" y="120000"/>
-                </a:lnTo>
-                <a:lnTo>
-                  <a:pt x="0" y="120000"/>
-                </a:lnTo>
-                <a:close/>
-              </a:path>
-            </a:pathLst>
-          </a:custGeom>
-        </p:spPr>
-      </p:sp>
-      <p:sp>
-        <p:nvSpPr>
-          <p:cNvPr id="95" name="Google Shape;95;g58aa05be0e_0_37:notes"/>
-          <p:cNvSpPr txBox="1">
-            <a:spLocks noGrp="1"/>
-          </p:cNvSpPr>
-          <p:nvPr>
-            <p:ph type="body" idx="1"/>
-          </p:nvPr>
-        </p:nvSpPr>
-        <p:spPr>
-          <a:xfrm>
-            <a:off x="685800" y="4343400"/>
-            <a:ext cx="5486400" cy="4114800"/>
-          </a:xfrm>
-          <a:prstGeom prst="rect">
-            <a:avLst/>
-          </a:prstGeom>
-        </p:spPr>
-        <p:txBody>
-          <a:bodyPr spcFirstLastPara="1" wrap="square" lIns="91425" tIns="91425" rIns="91425" bIns="91425" anchor="t" anchorCtr="0">
-            <a:noAutofit/>
-          </a:bodyPr>
-          <a:lstStyle/>
-          <a:p>
-            <a:pPr marL="0" lvl="0" indent="0" algn="l" rtl="0">
-              <a:spcBef>
-                <a:spcPts val="0"/>
-              </a:spcBef>
-              <a:spcAft>
-                <a:spcPts val="0"/>
-              </a:spcAft>
-              <a:buNone/>
-            </a:pPr>
-            <a:endParaRPr/>
-          </a:p>
-        </p:txBody>
-      </p:sp>
-    </p:spTree>
-  </p:cSld>
-  <p:clrMapOvr>
-    <a:masterClrMapping/>
-  </p:clrMapOvr>
-</p:notes>
-</file>
-
-<file path=ppt/notesSlides/notesSlide8.xml><?xml version="1.0" encoding="utf-8"?>
-<p:notes xmlns:a="http://schemas.openxmlformats.org/drawingml/2006/main" xmlns:r="http://schemas.openxmlformats.org/officeDocument/2006/relationships" xmlns:p="http://schemas.openxmlformats.org/presentationml/2006/main" showMasterSp="0" showMasterPhAnim="0">
-  <p:cSld>
-    <p:spTree>
-      <p:nvGrpSpPr>
         <p:cNvPr id="1" name="Shape 99"/>
         <p:cNvGrpSpPr/>
         <p:nvPr/>
@@ -1975,7 +1766,7 @@
 </p:notes>
 </file>
 
-<file path=ppt/notesSlides/notesSlide9.xml><?xml version="1.0" encoding="utf-8"?>
+<file path=ppt/notesSlides/notesSlide8.xml><?xml version="1.0" encoding="utf-8"?>
 <p:notes xmlns:a="http://schemas.openxmlformats.org/drawingml/2006/main" xmlns:r="http://schemas.openxmlformats.org/officeDocument/2006/relationships" xmlns:p="http://schemas.openxmlformats.org/presentationml/2006/main" showMasterSp="0" showMasterPhAnim="0">
   <p:cSld>
     <p:spTree>
@@ -2036,6 +1827,110 @@
       <p:sp>
         <p:nvSpPr>
           <p:cNvPr id="107" name="Google Shape;107;g58aa05be0e_0_47:notes"/>
+          <p:cNvSpPr txBox="1">
+            <a:spLocks noGrp="1"/>
+          </p:cNvSpPr>
+          <p:nvPr>
+            <p:ph type="body" idx="1"/>
+          </p:nvPr>
+        </p:nvSpPr>
+        <p:spPr>
+          <a:xfrm>
+            <a:off x="685800" y="4343400"/>
+            <a:ext cx="5486400" cy="4114800"/>
+          </a:xfrm>
+          <a:prstGeom prst="rect">
+            <a:avLst/>
+          </a:prstGeom>
+        </p:spPr>
+        <p:txBody>
+          <a:bodyPr spcFirstLastPara="1" wrap="square" lIns="91425" tIns="91425" rIns="91425" bIns="91425" anchor="t" anchorCtr="0">
+            <a:noAutofit/>
+          </a:bodyPr>
+          <a:lstStyle/>
+          <a:p>
+            <a:pPr marL="0" lvl="0" indent="0" algn="l" rtl="0">
+              <a:spcBef>
+                <a:spcPts val="0"/>
+              </a:spcBef>
+              <a:spcAft>
+                <a:spcPts val="0"/>
+              </a:spcAft>
+              <a:buNone/>
+            </a:pPr>
+            <a:endParaRPr/>
+          </a:p>
+        </p:txBody>
+      </p:sp>
+    </p:spTree>
+  </p:cSld>
+  <p:clrMapOvr>
+    <a:masterClrMapping/>
+  </p:clrMapOvr>
+</p:notes>
+</file>
+
+<file path=ppt/notesSlides/notesSlide9.xml><?xml version="1.0" encoding="utf-8"?>
+<p:notes xmlns:a="http://schemas.openxmlformats.org/drawingml/2006/main" xmlns:r="http://schemas.openxmlformats.org/officeDocument/2006/relationships" xmlns:p="http://schemas.openxmlformats.org/presentationml/2006/main" showMasterSp="0" showMasterPhAnim="0">
+  <p:cSld>
+    <p:spTree>
+      <p:nvGrpSpPr>
+        <p:cNvPr id="1" name="Shape 112"/>
+        <p:cNvGrpSpPr/>
+        <p:nvPr/>
+      </p:nvGrpSpPr>
+      <p:grpSpPr>
+        <a:xfrm>
+          <a:off x="0" y="0"/>
+          <a:ext cx="0" cy="0"/>
+          <a:chOff x="0" y="0"/>
+          <a:chExt cx="0" cy="0"/>
+        </a:xfrm>
+      </p:grpSpPr>
+      <p:sp>
+        <p:nvSpPr>
+          <p:cNvPr id="113" name="Google Shape;113;g58aa05be0e_3_2:notes"/>
+          <p:cNvSpPr>
+            <a:spLocks noGrp="1" noRot="1" noChangeAspect="1"/>
+          </p:cNvSpPr>
+          <p:nvPr>
+            <p:ph type="sldImg" idx="2"/>
+          </p:nvPr>
+        </p:nvSpPr>
+        <p:spPr>
+          <a:xfrm>
+            <a:off x="381000" y="685800"/>
+            <a:ext cx="6096000" cy="3429000"/>
+          </a:xfrm>
+          <a:custGeom>
+            <a:avLst/>
+            <a:gdLst/>
+            <a:ahLst/>
+            <a:cxnLst/>
+            <a:rect l="l" t="t" r="r" b="b"/>
+            <a:pathLst>
+              <a:path w="120000" h="120000" extrusionOk="0">
+                <a:moveTo>
+                  <a:pt x="0" y="0"/>
+                </a:moveTo>
+                <a:lnTo>
+                  <a:pt x="120000" y="0"/>
+                </a:lnTo>
+                <a:lnTo>
+                  <a:pt x="120000" y="120000"/>
+                </a:lnTo>
+                <a:lnTo>
+                  <a:pt x="0" y="120000"/>
+                </a:lnTo>
+                <a:close/>
+              </a:path>
+            </a:pathLst>
+          </a:custGeom>
+        </p:spPr>
+      </p:sp>
+      <p:sp>
+        <p:nvSpPr>
+          <p:cNvPr id="114" name="Google Shape;114;g58aa05be0e_3_2:notes"/>
           <p:cNvSpPr txBox="1">
             <a:spLocks noGrp="1"/>
           </p:cNvSpPr>
@@ -6987,31 +6882,15 @@
                   <a:schemeClr val="tx1"/>
                 </a:solidFill>
               </a:rPr>
-              <a:t>Выполнили: студенты </a:t>
-            </a:r>
-            <a:r>
-              <a:rPr lang="ru" sz="1800" dirty="0">
+              <a:t>Выполнили: студенты 3 </a:t>
+            </a:r>
+            <a:r>
+              <a:rPr lang="ru" sz="1800" dirty="0" smtClean="0">
                 <a:solidFill>
                   <a:schemeClr val="tx1"/>
                 </a:solidFill>
               </a:rPr>
-              <a:t>3 </a:t>
-            </a:r>
-            <a:r>
-              <a:rPr lang="ru" sz="1800" dirty="0" smtClean="0">
-                <a:solidFill>
-                  <a:schemeClr val="tx1"/>
-                </a:solidFill>
-              </a:rPr>
-              <a:t>курса, 1 </a:t>
-            </a:r>
-            <a:r>
-              <a:rPr lang="ru" sz="1800" dirty="0" smtClean="0">
-                <a:solidFill>
-                  <a:schemeClr val="tx1"/>
-                </a:solidFill>
-              </a:rPr>
-              <a:t>группы </a:t>
+              <a:t>курса, 1 группы </a:t>
             </a:r>
             <a:endParaRPr sz="1800" dirty="0">
               <a:solidFill>
@@ -7118,23 +6997,7 @@
                   <a:schemeClr val="tx1"/>
                 </a:solidFill>
               </a:rPr>
-              <a:t>Научный руководитель: </a:t>
-            </a:r>
-            <a:r>
-              <a:rPr lang="ru" sz="1800" dirty="0" smtClean="0">
-                <a:solidFill>
-                  <a:schemeClr val="tx1"/>
-                </a:solidFill>
-              </a:rPr>
-              <a:t>преп. Иванов </a:t>
-            </a:r>
-            <a:r>
-              <a:rPr lang="ru" sz="1800" dirty="0" smtClean="0">
-                <a:solidFill>
-                  <a:schemeClr val="tx1"/>
-                </a:solidFill>
-              </a:rPr>
-              <a:t>И.Ю. </a:t>
+              <a:t>Научный руководитель: преп. Иванов И.Ю. </a:t>
             </a:r>
             <a:endParaRPr sz="1800" dirty="0">
               <a:solidFill>
@@ -7317,150 +7180,6 @@
 </file>
 
 <file path=ppt/slides/slide10.xml><?xml version="1.0" encoding="utf-8"?>
-<p:sld xmlns:a="http://schemas.openxmlformats.org/drawingml/2006/main" xmlns:r="http://schemas.openxmlformats.org/officeDocument/2006/relationships" xmlns:p="http://schemas.openxmlformats.org/presentationml/2006/main">
-  <p:cSld>
-    <p:spTree>
-      <p:nvGrpSpPr>
-        <p:cNvPr id="1" name="Shape 108"/>
-        <p:cNvGrpSpPr/>
-        <p:nvPr/>
-      </p:nvGrpSpPr>
-      <p:grpSpPr>
-        <a:xfrm>
-          <a:off x="0" y="0"/>
-          <a:ext cx="0" cy="0"/>
-          <a:chOff x="0" y="0"/>
-          <a:chExt cx="0" cy="0"/>
-        </a:xfrm>
-      </p:grpSpPr>
-      <p:sp>
-        <p:nvSpPr>
-          <p:cNvPr id="109" name="Google Shape;109;p21"/>
-          <p:cNvSpPr txBox="1">
-            <a:spLocks noGrp="1"/>
-          </p:cNvSpPr>
-          <p:nvPr>
-            <p:ph type="title"/>
-          </p:nvPr>
-        </p:nvSpPr>
-        <p:spPr>
-          <a:xfrm>
-            <a:off x="311700" y="148375"/>
-            <a:ext cx="8520600" cy="483527"/>
-          </a:xfrm>
-          <a:prstGeom prst="rect">
-            <a:avLst/>
-          </a:prstGeom>
-        </p:spPr>
-        <p:txBody>
-          <a:bodyPr spcFirstLastPara="1" wrap="square" lIns="91425" tIns="91425" rIns="91425" bIns="91425" anchor="t" anchorCtr="0">
-            <a:noAutofit/>
-          </a:bodyPr>
-          <a:lstStyle/>
-          <a:p>
-            <a:pPr marL="0" lvl="0" indent="0" algn="l" rtl="0">
-              <a:spcBef>
-                <a:spcPts val="0"/>
-              </a:spcBef>
-              <a:spcAft>
-                <a:spcPts val="0"/>
-              </a:spcAft>
-              <a:buNone/>
-            </a:pPr>
-            <a:r>
-              <a:rPr lang="ru" sz="2400" dirty="0">
-                <a:highlight>
-                  <a:srgbClr val="FFFFFF"/>
-                </a:highlight>
-              </a:rPr>
-              <a:t>План тестирования</a:t>
-            </a:r>
-            <a:endParaRPr sz="2400" dirty="0"/>
-          </a:p>
-        </p:txBody>
-      </p:sp>
-      <p:sp>
-        <p:nvSpPr>
-          <p:cNvPr id="110" name="Google Shape;110;p21"/>
-          <p:cNvSpPr txBox="1">
-            <a:spLocks noGrp="1"/>
-          </p:cNvSpPr>
-          <p:nvPr>
-            <p:ph type="body" idx="1"/>
-          </p:nvPr>
-        </p:nvSpPr>
-        <p:spPr>
-          <a:xfrm>
-            <a:off x="104078" y="631902"/>
-            <a:ext cx="8928410" cy="4445620"/>
-          </a:xfrm>
-          <a:prstGeom prst="rect">
-            <a:avLst/>
-          </a:prstGeom>
-        </p:spPr>
-        <p:txBody>
-          <a:bodyPr spcFirstLastPara="1" wrap="square" lIns="91425" tIns="91425" rIns="91425" bIns="91425" anchor="t" anchorCtr="0">
-            <a:noAutofit/>
-          </a:bodyPr>
-          <a:lstStyle/>
-          <a:p>
-            <a:pPr marL="0" lvl="0" indent="0" algn="l" rtl="0">
-              <a:spcBef>
-                <a:spcPts val="0"/>
-              </a:spcBef>
-              <a:spcAft>
-                <a:spcPts val="1600"/>
-              </a:spcAft>
-              <a:buNone/>
-            </a:pPr>
-            <a:endParaRPr dirty="0"/>
-          </a:p>
-        </p:txBody>
-      </p:sp>
-      <p:pic>
-        <p:nvPicPr>
-          <p:cNvPr id="111" name="Google Shape;111;p21"/>
-          <p:cNvPicPr preferRelativeResize="0"/>
-          <p:nvPr/>
-        </p:nvPicPr>
-        <p:blipFill>
-          <a:blip r:embed="rId3">
-            <a:alphaModFix/>
-          </a:blip>
-          <a:stretch>
-            <a:fillRect/>
-          </a:stretch>
-        </p:blipFill>
-        <p:spPr>
-          <a:xfrm>
-            <a:off x="192752" y="631902"/>
-            <a:ext cx="8363949" cy="4445620"/>
-          </a:xfrm>
-          <a:prstGeom prst="rect">
-            <a:avLst/>
-          </a:prstGeom>
-          <a:noFill/>
-          <a:ln>
-            <a:noFill/>
-          </a:ln>
-        </p:spPr>
-      </p:pic>
-    </p:spTree>
-  </p:cSld>
-  <p:clrMapOvr>
-    <a:masterClrMapping/>
-  </p:clrMapOvr>
-  <p:timing>
-    <p:tnLst>
-      <p:par>
-        <p:cTn id="1" dur="indefinite" restart="never" nodeType="tmRoot"/>
-      </p:par>
-    </p:tnLst>
-  </p:timing>
-</p:sld>
-</file>
-
-<file path=ppt/slides/slide11.xml><?xml version="1.0" encoding="utf-8"?>
 <p:sld xmlns:a="http://schemas.openxmlformats.org/drawingml/2006/main" xmlns:r="http://schemas.openxmlformats.org/officeDocument/2006/relationships" xmlns:p="http://schemas.openxmlformats.org/presentationml/2006/main">
   <p:cSld>
     <p:spTree>
@@ -7604,7 +7323,7 @@
 </p:sld>
 </file>
 
-<file path=ppt/slides/slide12.xml><?xml version="1.0" encoding="utf-8"?>
+<file path=ppt/slides/slide11.xml><?xml version="1.0" encoding="utf-8"?>
 <p:sld xmlns:a="http://schemas.openxmlformats.org/drawingml/2006/main" xmlns:r="http://schemas.openxmlformats.org/officeDocument/2006/relationships" xmlns:p="http://schemas.openxmlformats.org/presentationml/2006/main">
   <p:cSld>
     <p:spTree>
@@ -7745,7 +7464,6 @@
               <a:rPr lang="ru-RU" sz="1800" dirty="0"/>
               <a:t> на мощностях клиента в пределах локальной сети клиента.</a:t>
             </a:r>
-            <a:endParaRPr lang="ru-RU" sz="1800" dirty="0"/>
           </a:p>
         </p:txBody>
       </p:sp>
@@ -7769,7 +7487,7 @@
 </p:sld>
 </file>
 
-<file path=ppt/slides/slide13.xml><?xml version="1.0" encoding="utf-8"?>
+<file path=ppt/slides/slide12.xml><?xml version="1.0" encoding="utf-8"?>
 <p:sld xmlns:a="http://schemas.openxmlformats.org/drawingml/2006/main" xmlns:r="http://schemas.openxmlformats.org/officeDocument/2006/relationships" xmlns:p="http://schemas.openxmlformats.org/presentationml/2006/main">
   <p:cSld>
     <p:spTree>
@@ -8314,7 +8032,7 @@
 </p:sld>
 </file>
 
-<file path=ppt/slides/slide14.xml><?xml version="1.0" encoding="utf-8"?>
+<file path=ppt/slides/slide13.xml><?xml version="1.0" encoding="utf-8"?>
 <p:sld xmlns:a="http://schemas.openxmlformats.org/drawingml/2006/main" xmlns:r="http://schemas.openxmlformats.org/officeDocument/2006/relationships" xmlns:p="http://schemas.openxmlformats.org/presentationml/2006/main">
   <p:cSld>
     <p:spTree>
@@ -8565,7 +8283,7 @@
 </p:sld>
 </file>
 
-<file path=ppt/slides/slide15.xml><?xml version="1.0" encoding="utf-8"?>
+<file path=ppt/slides/slide14.xml><?xml version="1.0" encoding="utf-8"?>
 <p:sld xmlns:a="http://schemas.openxmlformats.org/drawingml/2006/main" xmlns:r="http://schemas.openxmlformats.org/officeDocument/2006/relationships" xmlns:p="http://schemas.openxmlformats.org/presentationml/2006/main">
   <p:cSld>
     <p:spTree>
@@ -8656,31 +8374,15 @@
                   <a:schemeClr val="tx1"/>
                 </a:solidFill>
               </a:rPr>
-              <a:t>Выполнили: студенты </a:t>
-            </a:r>
-            <a:r>
-              <a:rPr lang="ru" sz="1800" dirty="0">
+              <a:t>Выполнили: студенты 3 </a:t>
+            </a:r>
+            <a:r>
+              <a:rPr lang="ru" sz="1800" dirty="0" smtClean="0">
                 <a:solidFill>
                   <a:schemeClr val="tx1"/>
                 </a:solidFill>
               </a:rPr>
-              <a:t>3 </a:t>
-            </a:r>
-            <a:r>
-              <a:rPr lang="ru" sz="1800" dirty="0" smtClean="0">
-                <a:solidFill>
-                  <a:schemeClr val="tx1"/>
-                </a:solidFill>
-              </a:rPr>
-              <a:t>курса, 1 </a:t>
-            </a:r>
-            <a:r>
-              <a:rPr lang="ru" sz="1800" dirty="0" smtClean="0">
-                <a:solidFill>
-                  <a:schemeClr val="tx1"/>
-                </a:solidFill>
-              </a:rPr>
-              <a:t>группы </a:t>
+              <a:t>курса, 1 группы </a:t>
             </a:r>
             <a:endParaRPr sz="1800" dirty="0">
               <a:solidFill>
@@ -8787,23 +8489,7 @@
                   <a:schemeClr val="tx1"/>
                 </a:solidFill>
               </a:rPr>
-              <a:t>Научный руководитель: </a:t>
-            </a:r>
-            <a:r>
-              <a:rPr lang="ru" sz="1800" dirty="0" smtClean="0">
-                <a:solidFill>
-                  <a:schemeClr val="tx1"/>
-                </a:solidFill>
-              </a:rPr>
-              <a:t>преп. Иванов </a:t>
-            </a:r>
-            <a:r>
-              <a:rPr lang="ru" sz="1800" dirty="0" smtClean="0">
-                <a:solidFill>
-                  <a:schemeClr val="tx1"/>
-                </a:solidFill>
-              </a:rPr>
-              <a:t>И.Ю. </a:t>
+              <a:t>Научный руководитель: преп. Иванов И.Ю. </a:t>
             </a:r>
             <a:endParaRPr sz="1800" dirty="0">
               <a:solidFill>
@@ -10126,15 +9812,7 @@
                   <a:schemeClr val="tx1"/>
                 </a:solidFill>
               </a:rPr>
-              <a:t>Использование </a:t>
-            </a:r>
-            <a:r>
-              <a:rPr lang="ru-RU" sz="1600" dirty="0" smtClean="0">
-                <a:solidFill>
-                  <a:schemeClr val="tx1"/>
-                </a:solidFill>
-              </a:rPr>
-              <a:t>разрабатываемого продукта в перспективе способно упростить задачи, зачастую выполняемые “на бумаге”, например:</a:t>
+              <a:t>Использование разрабатываемого продукта в перспективе способно упростить задачи, зачастую выполняемые “на бумаге”, например:</a:t>
             </a:r>
           </a:p>
           <a:p>
@@ -10340,8 +10018,80 @@
                   <a:schemeClr val="tx1"/>
                 </a:solidFill>
               </a:rPr>
-              <a:t>системы;</a:t>
-            </a:r>
+              <a:t>системы</a:t>
+            </a:r>
+            <a:r>
+              <a:rPr lang="ru-RU" dirty="0" smtClean="0">
+                <a:solidFill>
+                  <a:schemeClr val="tx1"/>
+                </a:solidFill>
+              </a:rPr>
+              <a:t>;</a:t>
+            </a:r>
+          </a:p>
+          <a:p>
+            <a:pPr>
+              <a:lnSpc>
+                <a:spcPct val="150000"/>
+              </a:lnSpc>
+            </a:pPr>
+            <a:endParaRPr lang="ru-RU" dirty="0">
+              <a:solidFill>
+                <a:schemeClr val="tx1"/>
+              </a:solidFill>
+            </a:endParaRPr>
+          </a:p>
+          <a:p>
+            <a:pPr>
+              <a:lnSpc>
+                <a:spcPct val="150000"/>
+              </a:lnSpc>
+            </a:pPr>
+            <a:r>
+              <a:rPr lang="ru-RU" dirty="0">
+                <a:solidFill>
+                  <a:schemeClr val="tx1"/>
+                </a:solidFill>
+              </a:rPr>
+              <a:t>О</a:t>
+            </a:r>
+            <a:r>
+              <a:rPr lang="ru-RU" dirty="0" smtClean="0">
+                <a:solidFill>
+                  <a:schemeClr val="tx1"/>
+                </a:solidFill>
+              </a:rPr>
+              <a:t>дновременная </a:t>
+            </a:r>
+            <a:r>
+              <a:rPr lang="ru-RU" dirty="0">
+                <a:solidFill>
+                  <a:schemeClr val="tx1"/>
+                </a:solidFill>
+              </a:rPr>
+              <a:t>работа с ресурсом для </a:t>
+            </a:r>
+            <a:r>
+              <a:rPr lang="ru-RU" dirty="0" smtClean="0">
+                <a:solidFill>
+                  <a:schemeClr val="tx1"/>
+                </a:solidFill>
+              </a:rPr>
+              <a:t>30 </a:t>
+            </a:r>
+            <a:r>
+              <a:rPr lang="ru-RU" dirty="0">
+                <a:solidFill>
+                  <a:schemeClr val="tx1"/>
+                </a:solidFill>
+              </a:rPr>
+              <a:t>пользователей</a:t>
+            </a:r>
+            <a:endParaRPr lang="ru-RU" dirty="0" smtClean="0">
+              <a:solidFill>
+                <a:schemeClr val="tx1"/>
+              </a:solidFill>
+            </a:endParaRPr>
           </a:p>
           <a:p>
             <a:pPr marL="114300" indent="0">
@@ -10834,11 +10584,7 @@
             </a:r>
           </a:p>
           <a:p>
-            <a:pPr marL="285750" indent="-285750">
-              <a:spcAft>
-                <a:spcPts val="1600"/>
-              </a:spcAft>
-            </a:pPr>
+            <a:pPr marL="285750" indent="-285750"/>
             <a:r>
               <a:rPr lang="en-US" dirty="0" smtClean="0">
                 <a:solidFill>
@@ -10853,7 +10599,15 @@
                   <a:schemeClr val="tx1"/>
                 </a:solidFill>
               </a:rPr>
-              <a:t>язык программирования, со следующими установленными библиотеками:</a:t>
+              <a:t>язык программирования, со следующими установленными </a:t>
+            </a:r>
+            <a:r>
+              <a:rPr lang="ru-RU" dirty="0" smtClean="0">
+                <a:solidFill>
+                  <a:schemeClr val="tx1"/>
+                </a:solidFill>
+              </a:rPr>
+              <a:t>библиотеками:</a:t>
             </a:r>
           </a:p>
           <a:p>
@@ -10873,14 +10627,14 @@
               <a:t>F</a:t>
             </a:r>
             <a:r>
-              <a:rPr lang="ru-RU" sz="1800" dirty="0" err="1">
+              <a:rPr lang="ru-RU" sz="1800" dirty="0" err="1" smtClean="0">
                 <a:solidFill>
                   <a:schemeClr val="tx1"/>
                 </a:solidFill>
               </a:rPr>
               <a:t>lask</a:t>
             </a:r>
-            <a:endParaRPr lang="ru-RU" sz="1800" dirty="0">
+            <a:endParaRPr lang="ru-RU" sz="1800" dirty="0" smtClean="0">
               <a:solidFill>
                 <a:schemeClr val="tx1"/>
               </a:solidFill>
@@ -10895,7 +10649,7 @@
               <a:buChar char="v"/>
             </a:pPr>
             <a:r>
-              <a:rPr lang="ru-RU" sz="1800" dirty="0">
+              <a:rPr lang="ru-RU" sz="1800" dirty="0" smtClean="0">
                 <a:solidFill>
                   <a:schemeClr val="tx1"/>
                 </a:solidFill>
@@ -11078,6 +10832,11 @@
               </a:rPr>
               <a:t>ite3</a:t>
             </a:r>
+            <a:endParaRPr lang="ru-RU" sz="1800" dirty="0" smtClean="0">
+              <a:solidFill>
+                <a:schemeClr val="tx1"/>
+              </a:solidFill>
+            </a:endParaRPr>
           </a:p>
           <a:p>
             <a:pPr marL="285750" indent="-285750">
@@ -11180,436 +10939,6 @@
 </file>
 
 <file path=ppt/slides/slide8.xml><?xml version="1.0" encoding="utf-8"?>
-<p:sld xmlns:a="http://schemas.openxmlformats.org/drawingml/2006/main" xmlns:r="http://schemas.openxmlformats.org/officeDocument/2006/relationships" xmlns:p="http://schemas.openxmlformats.org/presentationml/2006/main">
-  <p:cSld>
-    <p:spTree>
-      <p:nvGrpSpPr>
-        <p:cNvPr id="1" name="Shape 96"/>
-        <p:cNvGrpSpPr/>
-        <p:nvPr/>
-      </p:nvGrpSpPr>
-      <p:grpSpPr>
-        <a:xfrm>
-          <a:off x="0" y="0"/>
-          <a:ext cx="0" cy="0"/>
-          <a:chOff x="0" y="0"/>
-          <a:chExt cx="0" cy="0"/>
-        </a:xfrm>
-      </p:grpSpPr>
-      <p:sp>
-        <p:nvSpPr>
-          <p:cNvPr id="97" name="Google Shape;97;p19"/>
-          <p:cNvSpPr txBox="1">
-            <a:spLocks noGrp="1"/>
-          </p:cNvSpPr>
-          <p:nvPr>
-            <p:ph type="title"/>
-          </p:nvPr>
-        </p:nvSpPr>
-        <p:spPr>
-          <a:xfrm>
-            <a:off x="311700" y="117922"/>
-            <a:ext cx="8520600" cy="469376"/>
-          </a:xfrm>
-          <a:prstGeom prst="rect">
-            <a:avLst/>
-          </a:prstGeom>
-        </p:spPr>
-        <p:txBody>
-          <a:bodyPr spcFirstLastPara="1" wrap="square" lIns="91425" tIns="91425" rIns="91425" bIns="91425" anchor="t" anchorCtr="0">
-            <a:noAutofit/>
-          </a:bodyPr>
-          <a:lstStyle/>
-          <a:p>
-            <a:pPr marL="0" lvl="0" indent="0" algn="l" rtl="0">
-              <a:spcBef>
-                <a:spcPts val="0"/>
-              </a:spcBef>
-              <a:spcAft>
-                <a:spcPts val="0"/>
-              </a:spcAft>
-              <a:buClr>
-                <a:schemeClr val="dk1"/>
-              </a:buClr>
-              <a:buSzPts val="1100"/>
-              <a:buFont typeface="Arial"/>
-              <a:buNone/>
-            </a:pPr>
-            <a:r>
-              <a:rPr lang="ru" sz="2400" dirty="0">
-                <a:highlight>
-                  <a:schemeClr val="lt1"/>
-                </a:highlight>
-              </a:rPr>
-              <a:t>Анализ предметной области</a:t>
-            </a:r>
-            <a:endParaRPr sz="2400" dirty="0"/>
-          </a:p>
-          <a:p>
-            <a:pPr marL="0" lvl="0" indent="0" algn="l" rtl="0">
-              <a:spcBef>
-                <a:spcPts val="0"/>
-              </a:spcBef>
-              <a:spcAft>
-                <a:spcPts val="0"/>
-              </a:spcAft>
-              <a:buClr>
-                <a:schemeClr val="dk1"/>
-              </a:buClr>
-              <a:buSzPts val="1100"/>
-              <a:buFont typeface="Arial"/>
-              <a:buNone/>
-            </a:pPr>
-            <a:endParaRPr sz="1000" dirty="0">
-              <a:highlight>
-                <a:srgbClr val="FFFFFF"/>
-              </a:highlight>
-              <a:latin typeface="Roboto"/>
-              <a:ea typeface="Roboto"/>
-              <a:cs typeface="Roboto"/>
-              <a:sym typeface="Roboto"/>
-            </a:endParaRPr>
-          </a:p>
-        </p:txBody>
-      </p:sp>
-      <p:sp>
-        <p:nvSpPr>
-          <p:cNvPr id="98" name="Google Shape;98;p19"/>
-          <p:cNvSpPr txBox="1">
-            <a:spLocks noGrp="1"/>
-          </p:cNvSpPr>
-          <p:nvPr>
-            <p:ph type="body" idx="1"/>
-          </p:nvPr>
-        </p:nvSpPr>
-        <p:spPr>
-          <a:xfrm>
-            <a:off x="118946" y="587298"/>
-            <a:ext cx="8906108" cy="4415882"/>
-          </a:xfrm>
-          <a:prstGeom prst="rect">
-            <a:avLst/>
-          </a:prstGeom>
-        </p:spPr>
-        <p:txBody>
-          <a:bodyPr spcFirstLastPara="1" wrap="square" lIns="91425" tIns="91425" rIns="91425" bIns="91425" anchor="t" anchorCtr="0">
-            <a:noAutofit/>
-          </a:bodyPr>
-          <a:lstStyle/>
-          <a:p>
-            <a:pPr marL="114300" indent="0">
-              <a:buNone/>
-            </a:pPr>
-            <a:r>
-              <a:rPr lang="ru-RU" dirty="0" smtClean="0">
-                <a:solidFill>
-                  <a:schemeClr val="tx1"/>
-                </a:solidFill>
-              </a:rPr>
-              <a:t>Обоснование выбора данного инструментария:</a:t>
-            </a:r>
-          </a:p>
-          <a:p>
-            <a:pPr marL="114300" indent="0">
-              <a:buNone/>
-            </a:pPr>
-            <a:endParaRPr lang="ru-RU" sz="1100" dirty="0" smtClean="0">
-              <a:solidFill>
-                <a:schemeClr val="tx1"/>
-              </a:solidFill>
-            </a:endParaRPr>
-          </a:p>
-          <a:p>
-            <a:pPr>
-              <a:buFont typeface="Wingdings" panose="05000000000000000000" pitchFamily="2" charset="2"/>
-              <a:buChar char="Ø"/>
-            </a:pPr>
-            <a:r>
-              <a:rPr lang="ru-RU" dirty="0" smtClean="0">
-                <a:solidFill>
-                  <a:schemeClr val="tx1"/>
-                </a:solidFill>
-              </a:rPr>
-              <a:t>При </a:t>
-            </a:r>
-            <a:r>
-              <a:rPr lang="ru-RU" dirty="0">
-                <a:solidFill>
-                  <a:schemeClr val="tx1"/>
-                </a:solidFill>
-              </a:rPr>
-              <a:t>реализации приложения был использован фреймворк </a:t>
-            </a:r>
-            <a:r>
-              <a:rPr lang="en-US" dirty="0" err="1">
-                <a:solidFill>
-                  <a:schemeClr val="tx1"/>
-                </a:solidFill>
-              </a:rPr>
-              <a:t>F</a:t>
-            </a:r>
-            <a:r>
-              <a:rPr lang="ru-RU" dirty="0" err="1" smtClean="0">
-                <a:solidFill>
-                  <a:schemeClr val="tx1"/>
-                </a:solidFill>
-              </a:rPr>
-              <a:t>lask</a:t>
-            </a:r>
-            <a:r>
-              <a:rPr lang="ru-RU" dirty="0" smtClean="0">
-                <a:solidFill>
-                  <a:schemeClr val="tx1"/>
-                </a:solidFill>
-              </a:rPr>
-              <a:t> </a:t>
-            </a:r>
-            <a:r>
-              <a:rPr lang="ru-RU" dirty="0">
-                <a:solidFill>
-                  <a:schemeClr val="tx1"/>
-                </a:solidFill>
-              </a:rPr>
-              <a:t>по причине его легковесности, </a:t>
-            </a:r>
-            <a:r>
-              <a:rPr lang="ru-RU" dirty="0" smtClean="0">
-                <a:solidFill>
-                  <a:schemeClr val="tx1"/>
-                </a:solidFill>
-              </a:rPr>
-              <a:t>модульности, гибкости настройки </a:t>
-            </a:r>
-            <a:r>
-              <a:rPr lang="ru-RU" dirty="0">
-                <a:solidFill>
-                  <a:schemeClr val="tx1"/>
-                </a:solidFill>
-              </a:rPr>
-              <a:t>и растущей </a:t>
-            </a:r>
-            <a:r>
-              <a:rPr lang="ru-RU" dirty="0" smtClean="0">
-                <a:solidFill>
-                  <a:schemeClr val="tx1"/>
-                </a:solidFill>
-              </a:rPr>
-              <a:t>популярности;</a:t>
-            </a:r>
-            <a:endParaRPr lang="en-US" dirty="0" smtClean="0">
-              <a:solidFill>
-                <a:schemeClr val="tx1"/>
-              </a:solidFill>
-            </a:endParaRPr>
-          </a:p>
-          <a:p>
-            <a:pPr marL="114300" indent="0">
-              <a:buNone/>
-            </a:pPr>
-            <a:endParaRPr lang="ru-RU" dirty="0">
-              <a:solidFill>
-                <a:schemeClr val="tx1"/>
-              </a:solidFill>
-            </a:endParaRPr>
-          </a:p>
-          <a:p>
-            <a:pPr>
-              <a:buFont typeface="Wingdings" panose="05000000000000000000" pitchFamily="2" charset="2"/>
-              <a:buChar char="Ø"/>
-            </a:pPr>
-            <a:r>
-              <a:rPr lang="ru-RU" dirty="0" smtClean="0">
-                <a:solidFill>
-                  <a:schemeClr val="tx1"/>
-                </a:solidFill>
-              </a:rPr>
-              <a:t>Язык программирования </a:t>
-            </a:r>
-            <a:r>
-              <a:rPr lang="ru-RU" dirty="0" err="1" smtClean="0">
-                <a:solidFill>
-                  <a:schemeClr val="tx1"/>
-                </a:solidFill>
-              </a:rPr>
-              <a:t>Python</a:t>
-            </a:r>
-            <a:r>
-              <a:rPr lang="ru-RU" dirty="0" smtClean="0">
-                <a:solidFill>
-                  <a:schemeClr val="tx1"/>
-                </a:solidFill>
-              </a:rPr>
-              <a:t> </a:t>
-            </a:r>
-            <a:r>
-              <a:rPr lang="ru-RU" dirty="0">
-                <a:solidFill>
-                  <a:schemeClr val="tx1"/>
-                </a:solidFill>
-              </a:rPr>
-              <a:t>был выбран для облегчения обслуживания, тестирования и модернизации </a:t>
-            </a:r>
-            <a:r>
-              <a:rPr lang="ru-RU" dirty="0" smtClean="0">
-                <a:solidFill>
-                  <a:schemeClr val="tx1"/>
-                </a:solidFill>
-              </a:rPr>
-              <a:t>приложения, а также вследствие его кроссплатформенности и поддержки большого числа библиотек и модулей; </a:t>
-            </a:r>
-            <a:endParaRPr lang="ru-RU" dirty="0">
-              <a:solidFill>
-                <a:schemeClr val="tx1"/>
-              </a:solidFill>
-            </a:endParaRPr>
-          </a:p>
-          <a:p>
-            <a:pPr marL="114300" indent="0">
-              <a:buNone/>
-            </a:pPr>
-            <a:endParaRPr lang="ru-RU" dirty="0">
-              <a:solidFill>
-                <a:schemeClr val="tx1"/>
-              </a:solidFill>
-            </a:endParaRPr>
-          </a:p>
-          <a:p>
-            <a:pPr>
-              <a:buFont typeface="Wingdings" panose="05000000000000000000" pitchFamily="2" charset="2"/>
-              <a:buChar char="Ø"/>
-            </a:pPr>
-            <a:r>
-              <a:rPr lang="ru-RU" dirty="0">
-                <a:solidFill>
-                  <a:schemeClr val="tx1"/>
-                </a:solidFill>
-              </a:rPr>
-              <a:t>СУБД SQLite3 была </a:t>
-            </a:r>
-            <a:r>
-              <a:rPr lang="ru-RU" dirty="0" smtClean="0">
-                <a:solidFill>
-                  <a:schemeClr val="tx1"/>
-                </a:solidFill>
-              </a:rPr>
-              <a:t>использована </a:t>
-            </a:r>
-            <a:r>
-              <a:rPr lang="ru-RU" dirty="0">
-                <a:solidFill>
-                  <a:schemeClr val="tx1"/>
-                </a:solidFill>
-              </a:rPr>
-              <a:t>вследствие </a:t>
-            </a:r>
-            <a:r>
-              <a:rPr lang="ru-RU" dirty="0" smtClean="0">
-                <a:solidFill>
-                  <a:schemeClr val="tx1"/>
-                </a:solidFill>
-              </a:rPr>
-              <a:t>ее высокой производительности, а также способности </a:t>
-            </a:r>
-            <a:r>
-              <a:rPr lang="ru-RU" dirty="0">
-                <a:solidFill>
-                  <a:schemeClr val="tx1"/>
-                </a:solidFill>
-              </a:rPr>
-              <a:t>SQLite3 и </a:t>
-            </a:r>
-            <a:r>
-              <a:rPr lang="ru-RU" dirty="0" err="1">
-                <a:solidFill>
-                  <a:schemeClr val="tx1"/>
-                </a:solidFill>
-              </a:rPr>
-              <a:t>Flask</a:t>
-            </a:r>
-            <a:r>
-              <a:rPr lang="ru-RU" dirty="0">
-                <a:solidFill>
-                  <a:schemeClr val="tx1"/>
-                </a:solidFill>
-              </a:rPr>
-              <a:t> </a:t>
-            </a:r>
-            <a:r>
-              <a:rPr lang="ru-RU" dirty="0" smtClean="0">
-                <a:solidFill>
-                  <a:schemeClr val="tx1"/>
-                </a:solidFill>
-              </a:rPr>
-              <a:t>взаимодействовать с </a:t>
-            </a:r>
-            <a:r>
-              <a:rPr lang="ru-RU" dirty="0">
-                <a:solidFill>
-                  <a:schemeClr val="tx1"/>
-                </a:solidFill>
-              </a:rPr>
-              <a:t>помощью </a:t>
-            </a:r>
-            <a:r>
-              <a:rPr lang="ru-RU" dirty="0" err="1">
-                <a:solidFill>
-                  <a:schemeClr val="tx1"/>
-                </a:solidFill>
-              </a:rPr>
-              <a:t>SQLAlchemy</a:t>
-            </a:r>
-            <a:r>
-              <a:rPr lang="ru-RU" dirty="0">
-                <a:solidFill>
-                  <a:schemeClr val="tx1"/>
-                </a:solidFill>
-              </a:rPr>
-              <a:t>, что позволяет использовать подход ORM при разработке </a:t>
-            </a:r>
-            <a:r>
-              <a:rPr lang="ru-RU" dirty="0" smtClean="0">
-                <a:solidFill>
-                  <a:schemeClr val="tx1"/>
-                </a:solidFill>
-              </a:rPr>
-              <a:t>приложения.</a:t>
-            </a:r>
-            <a:endParaRPr lang="ru-RU" dirty="0">
-              <a:solidFill>
-                <a:schemeClr val="tx1"/>
-              </a:solidFill>
-            </a:endParaRPr>
-          </a:p>
-          <a:p>
-            <a:pPr marL="0" lvl="0" indent="0" algn="l" rtl="0">
-              <a:spcBef>
-                <a:spcPts val="0"/>
-              </a:spcBef>
-              <a:spcAft>
-                <a:spcPts val="1600"/>
-              </a:spcAft>
-              <a:buNone/>
-            </a:pPr>
-            <a:endParaRPr dirty="0"/>
-          </a:p>
-        </p:txBody>
-      </p:sp>
-    </p:spTree>
-  </p:cSld>
-  <p:clrMapOvr>
-    <a:masterClrMapping/>
-  </p:clrMapOvr>
-  <p:timing>
-    <p:tnLst>
-      <p:par>
-        <p:cTn id="1" dur="indefinite" restart="never" nodeType="tmRoot"/>
-      </p:par>
-    </p:tnLst>
-  </p:timing>
-</p:sld>
-</file>
-
-<file path=ppt/slides/slide9.xml><?xml version="1.0" encoding="utf-8"?>
 <p:sld xmlns:a="http://schemas.openxmlformats.org/drawingml/2006/main" xmlns:r="http://schemas.openxmlformats.org/officeDocument/2006/relationships" xmlns:p="http://schemas.openxmlformats.org/presentationml/2006/main">
   <p:cSld>
     <p:spTree>
@@ -11762,11 +11091,6 @@
               </a:rPr>
               <a:t>выходе пользователя из системы отсчет текущего рабочего дня заканчивается.</a:t>
             </a:r>
-            <a:endParaRPr lang="ru-RU" dirty="0">
-              <a:solidFill>
-                <a:schemeClr val="tx1"/>
-              </a:solidFill>
-            </a:endParaRPr>
           </a:p>
           <a:p>
             <a:pPr marL="114300" indent="0">
@@ -11807,6 +11131,150 @@
             <a:avLst/>
           </a:prstGeom>
           <a:noFill/>
+        </p:spPr>
+      </p:pic>
+    </p:spTree>
+  </p:cSld>
+  <p:clrMapOvr>
+    <a:masterClrMapping/>
+  </p:clrMapOvr>
+  <p:timing>
+    <p:tnLst>
+      <p:par>
+        <p:cTn id="1" dur="indefinite" restart="never" nodeType="tmRoot"/>
+      </p:par>
+    </p:tnLst>
+  </p:timing>
+</p:sld>
+</file>
+
+<file path=ppt/slides/slide9.xml><?xml version="1.0" encoding="utf-8"?>
+<p:sld xmlns:a="http://schemas.openxmlformats.org/drawingml/2006/main" xmlns:r="http://schemas.openxmlformats.org/officeDocument/2006/relationships" xmlns:p="http://schemas.openxmlformats.org/presentationml/2006/main">
+  <p:cSld>
+    <p:spTree>
+      <p:nvGrpSpPr>
+        <p:cNvPr id="1" name="Shape 108"/>
+        <p:cNvGrpSpPr/>
+        <p:nvPr/>
+      </p:nvGrpSpPr>
+      <p:grpSpPr>
+        <a:xfrm>
+          <a:off x="0" y="0"/>
+          <a:ext cx="0" cy="0"/>
+          <a:chOff x="0" y="0"/>
+          <a:chExt cx="0" cy="0"/>
+        </a:xfrm>
+      </p:grpSpPr>
+      <p:sp>
+        <p:nvSpPr>
+          <p:cNvPr id="109" name="Google Shape;109;p21"/>
+          <p:cNvSpPr txBox="1">
+            <a:spLocks noGrp="1"/>
+          </p:cNvSpPr>
+          <p:nvPr>
+            <p:ph type="title"/>
+          </p:nvPr>
+        </p:nvSpPr>
+        <p:spPr>
+          <a:xfrm>
+            <a:off x="311700" y="148375"/>
+            <a:ext cx="8520600" cy="483527"/>
+          </a:xfrm>
+          <a:prstGeom prst="rect">
+            <a:avLst/>
+          </a:prstGeom>
+        </p:spPr>
+        <p:txBody>
+          <a:bodyPr spcFirstLastPara="1" wrap="square" lIns="91425" tIns="91425" rIns="91425" bIns="91425" anchor="t" anchorCtr="0">
+            <a:noAutofit/>
+          </a:bodyPr>
+          <a:lstStyle/>
+          <a:p>
+            <a:pPr marL="0" lvl="0" indent="0" algn="l" rtl="0">
+              <a:spcBef>
+                <a:spcPts val="0"/>
+              </a:spcBef>
+              <a:spcAft>
+                <a:spcPts val="0"/>
+              </a:spcAft>
+              <a:buNone/>
+            </a:pPr>
+            <a:r>
+              <a:rPr lang="ru" sz="2400" dirty="0">
+                <a:highlight>
+                  <a:srgbClr val="FFFFFF"/>
+                </a:highlight>
+              </a:rPr>
+              <a:t>План тестирования</a:t>
+            </a:r>
+            <a:endParaRPr sz="2400" dirty="0"/>
+          </a:p>
+        </p:txBody>
+      </p:sp>
+      <p:sp>
+        <p:nvSpPr>
+          <p:cNvPr id="110" name="Google Shape;110;p21"/>
+          <p:cNvSpPr txBox="1">
+            <a:spLocks noGrp="1"/>
+          </p:cNvSpPr>
+          <p:nvPr>
+            <p:ph type="body" idx="1"/>
+          </p:nvPr>
+        </p:nvSpPr>
+        <p:spPr>
+          <a:xfrm>
+            <a:off x="104078" y="631902"/>
+            <a:ext cx="8928410" cy="4445620"/>
+          </a:xfrm>
+          <a:prstGeom prst="rect">
+            <a:avLst/>
+          </a:prstGeom>
+        </p:spPr>
+        <p:txBody>
+          <a:bodyPr spcFirstLastPara="1" wrap="square" lIns="91425" tIns="91425" rIns="91425" bIns="91425" anchor="t" anchorCtr="0">
+            <a:noAutofit/>
+          </a:bodyPr>
+          <a:lstStyle/>
+          <a:p>
+            <a:pPr marL="0" lvl="0" indent="0" algn="l" rtl="0">
+              <a:spcBef>
+                <a:spcPts val="0"/>
+              </a:spcBef>
+              <a:spcAft>
+                <a:spcPts val="1600"/>
+              </a:spcAft>
+              <a:buNone/>
+            </a:pPr>
+            <a:endParaRPr dirty="0"/>
+          </a:p>
+        </p:txBody>
+      </p:sp>
+      <p:pic>
+        <p:nvPicPr>
+          <p:cNvPr id="111" name="Google Shape;111;p21"/>
+          <p:cNvPicPr preferRelativeResize="0"/>
+          <p:nvPr/>
+        </p:nvPicPr>
+        <p:blipFill>
+          <a:blip r:embed="rId3">
+            <a:alphaModFix/>
+          </a:blip>
+          <a:stretch>
+            <a:fillRect/>
+          </a:stretch>
+        </p:blipFill>
+        <p:spPr>
+          <a:xfrm>
+            <a:off x="192752" y="631902"/>
+            <a:ext cx="8363949" cy="4445620"/>
+          </a:xfrm>
+          <a:prstGeom prst="rect">
+            <a:avLst/>
+          </a:prstGeom>
+          <a:noFill/>
+          <a:ln>
+            <a:noFill/>
+          </a:ln>
         </p:spPr>
       </p:pic>
     </p:spTree>

--- a/Presentation.pptx
+++ b/Presentation.pptx
@@ -5,7 +5,7 @@
     <p:sldMasterId id="2147483659" r:id="rId1"/>
   </p:sldMasterIdLst>
   <p:notesMasterIdLst>
-    <p:notesMasterId r:id="rId16"/>
+    <p:notesMasterId r:id="rId22"/>
   </p:notesMasterIdLst>
   <p:sldIdLst>
     <p:sldId id="256" r:id="rId2"/>
@@ -19,19 +19,25 @@
     <p:sldId id="264" r:id="rId10"/>
     <p:sldId id="265" r:id="rId11"/>
     <p:sldId id="269" r:id="rId12"/>
-    <p:sldId id="266" r:id="rId13"/>
-    <p:sldId id="267" r:id="rId14"/>
-    <p:sldId id="272" r:id="rId15"/>
+    <p:sldId id="273" r:id="rId13"/>
+    <p:sldId id="274" r:id="rId14"/>
+    <p:sldId id="275" r:id="rId15"/>
+    <p:sldId id="276" r:id="rId16"/>
+    <p:sldId id="277" r:id="rId17"/>
+    <p:sldId id="278" r:id="rId18"/>
+    <p:sldId id="279" r:id="rId19"/>
+    <p:sldId id="267" r:id="rId20"/>
+    <p:sldId id="272" r:id="rId21"/>
   </p:sldIdLst>
   <p:sldSz cx="9144000" cy="5143500" type="screen16x9"/>
   <p:notesSz cx="6858000" cy="9144000"/>
   <p:embeddedFontLst>
     <p:embeddedFont>
       <p:font typeface="Roboto" panose="020B0604020202020204" charset="0"/>
-      <p:regular r:id="rId17"/>
-      <p:bold r:id="rId18"/>
-      <p:italic r:id="rId19"/>
-      <p:boldItalic r:id="rId20"/>
+      <p:regular r:id="rId23"/>
+      <p:bold r:id="rId24"/>
+      <p:italic r:id="rId25"/>
+      <p:boldItalic r:id="rId26"/>
     </p:embeddedFont>
   </p:embeddedFontLst>
   <p:defaultTextStyle>
@@ -826,11 +832,11 @@
 </file>
 
 <file path=ppt/notesSlides/notesSlide10.xml><?xml version="1.0" encoding="utf-8"?>
-<p:notes xmlns:a="http://schemas.openxmlformats.org/drawingml/2006/main" xmlns:r="http://schemas.openxmlformats.org/officeDocument/2006/relationships" xmlns:p="http://schemas.openxmlformats.org/presentationml/2006/main" showMasterSp="0" showMasterPhAnim="0">
+<p:notes xmlns:a="http://schemas.openxmlformats.org/drawingml/2006/main" xmlns:r="http://schemas.openxmlformats.org/officeDocument/2006/relationships" xmlns:p="http://schemas.openxmlformats.org/presentationml/2006/main">
   <p:cSld>
     <p:spTree>
       <p:nvGrpSpPr>
-        <p:cNvPr id="1" name="Shape 119"/>
+        <p:cNvPr id="1" name=""/>
         <p:cNvGrpSpPr/>
         <p:nvPr/>
       </p:nvGrpSpPr>
@@ -844,84 +850,41 @@
       </p:grpSpPr>
       <p:sp>
         <p:nvSpPr>
-          <p:cNvPr id="120" name="Google Shape;120;g58aa05be0e_3_31:notes"/>
+          <p:cNvPr id="2" name="Образ слайда 1"/>
           <p:cNvSpPr>
             <a:spLocks noGrp="1" noRot="1" noChangeAspect="1"/>
           </p:cNvSpPr>
           <p:nvPr>
-            <p:ph type="sldImg" idx="2"/>
+            <p:ph type="sldImg"/>
           </p:nvPr>
         </p:nvSpPr>
-        <p:spPr>
-          <a:xfrm>
-            <a:off x="381000" y="685800"/>
-            <a:ext cx="6096000" cy="3429000"/>
-          </a:xfrm>
-          <a:custGeom>
-            <a:avLst/>
-            <a:gdLst/>
-            <a:ahLst/>
-            <a:cxnLst/>
-            <a:rect l="l" t="t" r="r" b="b"/>
-            <a:pathLst>
-              <a:path w="120000" h="120000" extrusionOk="0">
-                <a:moveTo>
-                  <a:pt x="0" y="0"/>
-                </a:moveTo>
-                <a:lnTo>
-                  <a:pt x="120000" y="0"/>
-                </a:lnTo>
-                <a:lnTo>
-                  <a:pt x="120000" y="120000"/>
-                </a:lnTo>
-                <a:lnTo>
-                  <a:pt x="0" y="120000"/>
-                </a:lnTo>
-                <a:close/>
-              </a:path>
-            </a:pathLst>
-          </a:custGeom>
-        </p:spPr>
+        <p:spPr/>
       </p:sp>
       <p:sp>
         <p:nvSpPr>
-          <p:cNvPr id="121" name="Google Shape;121;g58aa05be0e_3_31:notes"/>
-          <p:cNvSpPr txBox="1">
+          <p:cNvPr id="3" name="Заметки 2"/>
+          <p:cNvSpPr>
             <a:spLocks noGrp="1"/>
           </p:cNvSpPr>
           <p:nvPr>
             <p:ph type="body" idx="1"/>
           </p:nvPr>
         </p:nvSpPr>
-        <p:spPr>
-          <a:xfrm>
-            <a:off x="685800" y="4343400"/>
-            <a:ext cx="5486400" cy="4114800"/>
-          </a:xfrm>
-          <a:prstGeom prst="rect">
-            <a:avLst/>
-          </a:prstGeom>
-        </p:spPr>
+        <p:spPr/>
         <p:txBody>
-          <a:bodyPr spcFirstLastPara="1" wrap="square" lIns="91425" tIns="91425" rIns="91425" bIns="91425" anchor="t" anchorCtr="0">
-            <a:noAutofit/>
-          </a:bodyPr>
+          <a:bodyPr/>
           <a:lstStyle/>
           <a:p>
-            <a:pPr marL="0" lvl="0" indent="0" algn="l" rtl="0">
-              <a:spcBef>
-                <a:spcPts val="0"/>
-              </a:spcBef>
-              <a:spcAft>
-                <a:spcPts val="0"/>
-              </a:spcAft>
-              <a:buNone/>
-            </a:pPr>
-            <a:endParaRPr/>
+            <a:endParaRPr lang="ru-RU" dirty="0"/>
           </a:p>
         </p:txBody>
       </p:sp>
     </p:spTree>
+    <p:extLst>
+      <p:ext uri="{BB962C8B-B14F-4D97-AF65-F5344CB8AC3E}">
+        <p14:creationId xmlns:p14="http://schemas.microsoft.com/office/powerpoint/2010/main" val="1821375361"/>
+      </p:ext>
+    </p:extLst>
   </p:cSld>
   <p:clrMapOvr>
     <a:masterClrMapping/>
@@ -1125,7 +1088,7 @@
               </a:spcAft>
               <a:buNone/>
             </a:pPr>
-            <a:endParaRPr/>
+            <a:endParaRPr dirty="0"/>
           </a:p>
         </p:txBody>
       </p:sp>
@@ -7492,7 +7455,7 @@
   <p:cSld>
     <p:spTree>
       <p:nvGrpSpPr>
-        <p:cNvPr id="1" name="Shape 122"/>
+        <p:cNvPr id="1" name=""/>
         <p:cNvGrpSpPr/>
         <p:nvPr/>
       </p:nvGrpSpPr>
@@ -7506,8 +7469,8 @@
       </p:grpSpPr>
       <p:sp>
         <p:nvSpPr>
-          <p:cNvPr id="123" name="Google Shape;123;p23"/>
-          <p:cNvSpPr txBox="1">
+          <p:cNvPr id="2" name="Заголовок 1"/>
+          <p:cNvSpPr>
             <a:spLocks noGrp="1"/>
           </p:cNvSpPr>
           <p:nvPr>
@@ -7516,506 +7479,83 @@
         </p:nvSpPr>
         <p:spPr>
           <a:xfrm>
-            <a:off x="326169" y="113130"/>
-            <a:ext cx="8356500" cy="447345"/>
-          </a:xfrm>
-          <a:prstGeom prst="rect">
-            <a:avLst/>
-          </a:prstGeom>
+            <a:off x="305215" y="95003"/>
+            <a:ext cx="8520600" cy="486888"/>
+          </a:xfrm>
         </p:spPr>
         <p:txBody>
-          <a:bodyPr spcFirstLastPara="1" wrap="square" lIns="91425" tIns="91425" rIns="91425" bIns="91425" anchor="t" anchorCtr="0">
-            <a:noAutofit/>
-          </a:bodyPr>
+          <a:bodyPr/>
           <a:lstStyle/>
           <a:p>
-            <a:pPr marL="0" lvl="0" indent="0" algn="l" rtl="0">
-              <a:spcBef>
-                <a:spcPts val="0"/>
-              </a:spcBef>
-              <a:spcAft>
-                <a:spcPts val="0"/>
-              </a:spcAft>
-              <a:buNone/>
-            </a:pPr>
-            <a:r>
-              <a:rPr lang="ru" sz="2400" dirty="0"/>
+            <a:r>
+              <a:rPr lang="ru-RU" sz="2400" dirty="0" smtClean="0"/>
               <a:t>Реализация</a:t>
             </a:r>
-            <a:endParaRPr sz="2400" dirty="0"/>
-          </a:p>
-        </p:txBody>
-      </p:sp>
-      <p:sp>
-        <p:nvSpPr>
-          <p:cNvPr id="124" name="Google Shape;124;p23"/>
-          <p:cNvSpPr txBox="1">
-            <a:spLocks noGrp="1"/>
-          </p:cNvSpPr>
-          <p:nvPr>
-            <p:ph type="body" idx="1"/>
-          </p:nvPr>
-        </p:nvSpPr>
-        <p:spPr>
-          <a:xfrm>
-            <a:off x="126381" y="560475"/>
-            <a:ext cx="8906108" cy="4502179"/>
-          </a:xfrm>
-          <a:prstGeom prst="rect">
-            <a:avLst/>
-          </a:prstGeom>
-        </p:spPr>
-        <p:txBody>
-          <a:bodyPr spcFirstLastPara="1" wrap="square" lIns="91425" tIns="91425" rIns="91425" bIns="91425" anchor="t" anchorCtr="0">
-            <a:noAutofit/>
-          </a:bodyPr>
-          <a:lstStyle/>
-          <a:p>
-            <a:pPr marL="0" lvl="0" indent="0" algn="l" rtl="0">
-              <a:spcBef>
-                <a:spcPts val="0"/>
-              </a:spcBef>
-              <a:spcAft>
-                <a:spcPts val="1600"/>
-              </a:spcAft>
-              <a:buNone/>
-            </a:pPr>
-            <a:endParaRPr dirty="0"/>
+            <a:r>
+              <a:rPr lang="ru-RU" dirty="0" smtClean="0"/>
+              <a:t/>
+            </a:r>
+            <a:br>
+              <a:rPr lang="ru-RU" dirty="0" smtClean="0"/>
+            </a:br>
+            <a:endParaRPr lang="ru-RU" dirty="0"/>
           </a:p>
         </p:txBody>
       </p:sp>
       <p:pic>
         <p:nvPicPr>
-          <p:cNvPr id="125" name="Google Shape;125;p23"/>
-          <p:cNvPicPr preferRelativeResize="0"/>
+          <p:cNvPr id="5" name="Рисунок 4" descr="Authorization.PNG"/>
+          <p:cNvPicPr>
+            <a:picLocks noChangeAspect="1"/>
+          </p:cNvPicPr>
           <p:nvPr/>
         </p:nvPicPr>
-        <p:blipFill rotWithShape="1">
-          <a:blip r:embed="rId3">
-            <a:alphaModFix/>
-          </a:blip>
-          <a:srcRect t="3352" b="4549"/>
-          <a:stretch/>
+        <p:blipFill>
+          <a:blip r:embed="rId2"/>
+          <a:stretch>
+            <a:fillRect/>
+          </a:stretch>
         </p:blipFill>
         <p:spPr>
           <a:xfrm>
-            <a:off x="1082084" y="1053100"/>
-            <a:ext cx="7543217" cy="3864451"/>
+            <a:off x="753016" y="581891"/>
+            <a:ext cx="7624998" cy="3598223"/>
+          </a:xfrm>
+          <a:prstGeom prst="rect">
+            <a:avLst/>
+          </a:prstGeom>
+        </p:spPr>
+      </p:pic>
+      <p:sp>
+        <p:nvSpPr>
+          <p:cNvPr id="6" name="TextBox 5"/>
+          <p:cNvSpPr txBox="1"/>
+          <p:nvPr/>
+        </p:nvSpPr>
+        <p:spPr>
+          <a:xfrm>
+            <a:off x="3702996" y="4408525"/>
+            <a:ext cx="2598788" cy="369332"/>
           </a:xfrm>
           <a:prstGeom prst="rect">
             <a:avLst/>
           </a:prstGeom>
           <a:noFill/>
-          <a:ln>
-            <a:noFill/>
-          </a:ln>
-        </p:spPr>
-      </p:pic>
-      <p:sp>
-        <p:nvSpPr>
-          <p:cNvPr id="126" name="Google Shape;126;p23"/>
-          <p:cNvSpPr/>
-          <p:nvPr/>
-        </p:nvSpPr>
-        <p:spPr>
-          <a:xfrm>
-            <a:off x="3940750" y="895176"/>
-            <a:ext cx="481100" cy="215600"/>
-          </a:xfrm>
-          <a:custGeom>
-            <a:avLst/>
-            <a:gdLst/>
-            <a:ahLst/>
-            <a:cxnLst/>
-            <a:rect l="l" t="t" r="r" b="b"/>
-            <a:pathLst>
-              <a:path w="19244" h="8624" extrusionOk="0">
-                <a:moveTo>
-                  <a:pt x="19244" y="8624"/>
-                </a:moveTo>
-                <a:cubicBezTo>
-                  <a:pt x="18472" y="4764"/>
-                  <a:pt x="14943" y="622"/>
-                  <a:pt x="11037" y="134"/>
-                </a:cubicBezTo>
-                <a:cubicBezTo>
-                  <a:pt x="6751" y="-402"/>
-                  <a:pt x="3055" y="3871"/>
-                  <a:pt x="0" y="6926"/>
-                </a:cubicBezTo>
-              </a:path>
-            </a:pathLst>
-          </a:custGeom>
-          <a:noFill/>
-          <a:ln w="28575" cap="flat" cmpd="sng">
-            <a:solidFill>
-              <a:srgbClr val="0000FF"/>
-            </a:solidFill>
-            <a:prstDash val="solid"/>
-            <a:round/>
-            <a:headEnd type="none" w="med" len="med"/>
-            <a:tailEnd type="stealth" w="med" len="med"/>
-          </a:ln>
-        </p:spPr>
-      </p:sp>
-      <p:sp>
-        <p:nvSpPr>
-          <p:cNvPr id="127" name="Google Shape;127;p23"/>
-          <p:cNvSpPr/>
-          <p:nvPr/>
-        </p:nvSpPr>
-        <p:spPr>
-          <a:xfrm>
-            <a:off x="5384050" y="804356"/>
-            <a:ext cx="707500" cy="327650"/>
-          </a:xfrm>
-          <a:custGeom>
-            <a:avLst/>
-            <a:gdLst/>
-            <a:ahLst/>
-            <a:cxnLst/>
-            <a:rect l="l" t="t" r="r" b="b"/>
-            <a:pathLst>
-              <a:path w="28300" h="13106" extrusionOk="0">
-                <a:moveTo>
-                  <a:pt x="0" y="11691"/>
-                </a:moveTo>
-                <a:cubicBezTo>
-                  <a:pt x="2714" y="6942"/>
-                  <a:pt x="6160" y="632"/>
-                  <a:pt x="11603" y="88"/>
-                </a:cubicBezTo>
-                <a:cubicBezTo>
-                  <a:pt x="18625" y="-614"/>
-                  <a:pt x="26068" y="6411"/>
-                  <a:pt x="28300" y="13106"/>
-                </a:cubicBezTo>
-              </a:path>
-            </a:pathLst>
-          </a:custGeom>
-          <a:noFill/>
-          <a:ln w="28575" cap="flat" cmpd="sng">
-            <a:solidFill>
-              <a:srgbClr val="0000FF"/>
-            </a:solidFill>
-            <a:prstDash val="solid"/>
-            <a:round/>
-            <a:headEnd type="none" w="med" len="med"/>
-            <a:tailEnd type="stealth" w="med" len="med"/>
-          </a:ln>
-        </p:spPr>
-      </p:sp>
-      <p:sp>
-        <p:nvSpPr>
-          <p:cNvPr id="128" name="Google Shape;128;p23"/>
-          <p:cNvSpPr/>
-          <p:nvPr/>
-        </p:nvSpPr>
-        <p:spPr>
-          <a:xfrm>
-            <a:off x="5495900" y="1349691"/>
-            <a:ext cx="348025" cy="3058000"/>
-          </a:xfrm>
-          <a:custGeom>
-            <a:avLst/>
-            <a:gdLst/>
-            <a:ahLst/>
-            <a:cxnLst/>
-            <a:rect l="l" t="t" r="r" b="b"/>
-            <a:pathLst>
-              <a:path w="13921" h="122320" extrusionOk="0">
-                <a:moveTo>
-                  <a:pt x="13921" y="348"/>
-                </a:moveTo>
-                <a:cubicBezTo>
-                  <a:pt x="-2173" y="-3675"/>
-                  <a:pt x="1186" y="31869"/>
-                  <a:pt x="1186" y="48458"/>
-                </a:cubicBezTo>
-                <a:cubicBezTo>
-                  <a:pt x="1186" y="63363"/>
-                  <a:pt x="903" y="78266"/>
-                  <a:pt x="903" y="93171"/>
-                </a:cubicBezTo>
-                <a:cubicBezTo>
-                  <a:pt x="903" y="99211"/>
-                  <a:pt x="-656" y="105325"/>
-                  <a:pt x="337" y="111283"/>
-                </a:cubicBezTo>
-                <a:cubicBezTo>
-                  <a:pt x="1215" y="116548"/>
-                  <a:pt x="6876" y="120632"/>
-                  <a:pt x="11940" y="122320"/>
-                </a:cubicBezTo>
-              </a:path>
-            </a:pathLst>
-          </a:custGeom>
-          <a:noFill/>
-          <a:ln w="28575" cap="flat" cmpd="sng">
-            <a:solidFill>
-              <a:srgbClr val="0000FF"/>
-            </a:solidFill>
-            <a:prstDash val="solid"/>
-            <a:round/>
-            <a:headEnd type="none" w="med" len="med"/>
-            <a:tailEnd type="stealth" w="med" len="med"/>
-          </a:ln>
-        </p:spPr>
-      </p:sp>
-      <p:sp>
-        <p:nvSpPr>
-          <p:cNvPr id="129" name="Google Shape;129;p23"/>
-          <p:cNvSpPr/>
-          <p:nvPr/>
-        </p:nvSpPr>
-        <p:spPr>
-          <a:xfrm>
-            <a:off x="5656505" y="2143725"/>
-            <a:ext cx="159125" cy="841900"/>
-          </a:xfrm>
-          <a:custGeom>
-            <a:avLst/>
-            <a:gdLst/>
-            <a:ahLst/>
-            <a:cxnLst/>
-            <a:rect l="l" t="t" r="r" b="b"/>
-            <a:pathLst>
-              <a:path w="6365" h="33676" extrusionOk="0">
-                <a:moveTo>
-                  <a:pt x="6365" y="0"/>
-                </a:moveTo>
-                <a:cubicBezTo>
-                  <a:pt x="3565" y="0"/>
-                  <a:pt x="2722" y="4419"/>
-                  <a:pt x="1837" y="7075"/>
-                </a:cubicBezTo>
-                <a:cubicBezTo>
-                  <a:pt x="-994" y="15567"/>
-                  <a:pt x="-814" y="27346"/>
-                  <a:pt x="5516" y="33676"/>
-                </a:cubicBezTo>
-              </a:path>
-            </a:pathLst>
-          </a:custGeom>
-          <a:noFill/>
-          <a:ln w="28575" cap="flat" cmpd="sng">
-            <a:solidFill>
-              <a:srgbClr val="0000FF"/>
-            </a:solidFill>
-            <a:prstDash val="solid"/>
-            <a:round/>
-            <a:headEnd type="none" w="med" len="med"/>
-            <a:tailEnd type="stealth" w="med" len="med"/>
-          </a:ln>
-        </p:spPr>
-      </p:sp>
-      <p:sp>
-        <p:nvSpPr>
-          <p:cNvPr id="130" name="Google Shape;130;p23"/>
-          <p:cNvSpPr/>
-          <p:nvPr/>
-        </p:nvSpPr>
-        <p:spPr>
-          <a:xfrm>
-            <a:off x="1082084" y="1811200"/>
-            <a:ext cx="248025" cy="1124900"/>
-          </a:xfrm>
-          <a:custGeom>
-            <a:avLst/>
-            <a:gdLst/>
-            <a:ahLst/>
-            <a:cxnLst/>
-            <a:rect l="l" t="t" r="r" b="b"/>
-            <a:pathLst>
-              <a:path w="9921" h="44996" extrusionOk="0">
-                <a:moveTo>
-                  <a:pt x="9921" y="0"/>
-                </a:moveTo>
-                <a:cubicBezTo>
-                  <a:pt x="7543" y="793"/>
-                  <a:pt x="4618" y="775"/>
-                  <a:pt x="2846" y="2547"/>
-                </a:cubicBezTo>
-                <a:cubicBezTo>
-                  <a:pt x="-1854" y="7247"/>
-                  <a:pt x="1522" y="15777"/>
-                  <a:pt x="582" y="22357"/>
-                </a:cubicBezTo>
-                <a:cubicBezTo>
-                  <a:pt x="-515" y="30035"/>
-                  <a:pt x="-495" y="40694"/>
-                  <a:pt x="5959" y="44996"/>
-                </a:cubicBezTo>
-              </a:path>
-            </a:pathLst>
-          </a:custGeom>
-          <a:noFill/>
-          <a:ln w="28575" cap="flat" cmpd="sng">
-            <a:solidFill>
-              <a:srgbClr val="0000FF"/>
-            </a:solidFill>
-            <a:prstDash val="solid"/>
-            <a:round/>
-            <a:headEnd type="none" w="med" len="med"/>
-            <a:tailEnd type="stealth" w="med" len="med"/>
-          </a:ln>
-        </p:spPr>
-      </p:sp>
-      <p:sp>
-        <p:nvSpPr>
-          <p:cNvPr id="131" name="Google Shape;131;p23"/>
-          <p:cNvSpPr/>
-          <p:nvPr/>
-        </p:nvSpPr>
-        <p:spPr>
-          <a:xfrm>
-            <a:off x="1938550" y="1712150"/>
-            <a:ext cx="2716775" cy="1082450"/>
-          </a:xfrm>
-          <a:custGeom>
-            <a:avLst/>
-            <a:gdLst/>
-            <a:ahLst/>
-            <a:cxnLst/>
-            <a:rect l="l" t="t" r="r" b="b"/>
-            <a:pathLst>
-              <a:path w="108671" h="43298" extrusionOk="0">
-                <a:moveTo>
-                  <a:pt x="0" y="0"/>
-                </a:moveTo>
-                <a:cubicBezTo>
-                  <a:pt x="7139" y="1785"/>
-                  <a:pt x="7272" y="13232"/>
-                  <a:pt x="13018" y="17829"/>
-                </a:cubicBezTo>
-                <a:cubicBezTo>
-                  <a:pt x="19773" y="23233"/>
-                  <a:pt x="29075" y="24813"/>
-                  <a:pt x="37639" y="26036"/>
-                </a:cubicBezTo>
-                <a:cubicBezTo>
-                  <a:pt x="61761" y="29482"/>
-                  <a:pt x="100966" y="20182"/>
-                  <a:pt x="108671" y="43298"/>
-                </a:cubicBezTo>
-              </a:path>
-            </a:pathLst>
-          </a:custGeom>
-          <a:noFill/>
-          <a:ln w="28575" cap="flat" cmpd="sng">
-            <a:solidFill>
-              <a:srgbClr val="0000FF"/>
-            </a:solidFill>
-            <a:prstDash val="solid"/>
-            <a:round/>
-            <a:headEnd type="none" w="med" len="med"/>
-            <a:tailEnd type="stealth" w="med" len="med"/>
-          </a:ln>
-        </p:spPr>
-      </p:sp>
-      <p:sp>
-        <p:nvSpPr>
-          <p:cNvPr id="132" name="Google Shape;132;p23"/>
-          <p:cNvSpPr/>
-          <p:nvPr/>
-        </p:nvSpPr>
-        <p:spPr>
-          <a:xfrm>
-            <a:off x="935814" y="1549425"/>
-            <a:ext cx="394275" cy="2065875"/>
-          </a:xfrm>
-          <a:custGeom>
-            <a:avLst/>
-            <a:gdLst/>
-            <a:ahLst/>
-            <a:cxnLst/>
-            <a:rect l="l" t="t" r="r" b="b"/>
-            <a:pathLst>
-              <a:path w="15771" h="82635" extrusionOk="0">
-                <a:moveTo>
-                  <a:pt x="15771" y="0"/>
-                </a:moveTo>
-                <a:cubicBezTo>
-                  <a:pt x="10790" y="2490"/>
-                  <a:pt x="4947" y="5352"/>
-                  <a:pt x="2753" y="10471"/>
-                </a:cubicBezTo>
-                <a:cubicBezTo>
-                  <a:pt x="-1227" y="19759"/>
-                  <a:pt x="-91" y="30749"/>
-                  <a:pt x="1338" y="40752"/>
-                </a:cubicBezTo>
-                <a:cubicBezTo>
-                  <a:pt x="3361" y="54912"/>
-                  <a:pt x="2743" y="70733"/>
-                  <a:pt x="10677" y="82635"/>
-                </a:cubicBezTo>
-              </a:path>
-            </a:pathLst>
-          </a:custGeom>
-          <a:noFill/>
-          <a:ln w="28575" cap="flat" cmpd="sng">
-            <a:solidFill>
-              <a:srgbClr val="0000FF"/>
-            </a:solidFill>
-            <a:prstDash val="solid"/>
-            <a:round/>
-            <a:headEnd type="none" w="med" len="med"/>
-            <a:tailEnd type="stealth" w="med" len="med"/>
-          </a:ln>
-        </p:spPr>
-      </p:sp>
-      <p:sp>
-        <p:nvSpPr>
-          <p:cNvPr id="133" name="Google Shape;133;p23"/>
-          <p:cNvSpPr/>
-          <p:nvPr/>
-        </p:nvSpPr>
-        <p:spPr>
-          <a:xfrm>
-            <a:off x="718958" y="1400850"/>
-            <a:ext cx="589925" cy="2964400"/>
-          </a:xfrm>
-          <a:custGeom>
-            <a:avLst/>
-            <a:gdLst/>
-            <a:ahLst/>
-            <a:cxnLst/>
-            <a:rect l="l" t="t" r="r" b="b"/>
-            <a:pathLst>
-              <a:path w="23597" h="118576" extrusionOk="0">
-                <a:moveTo>
-                  <a:pt x="23597" y="0"/>
-                </a:moveTo>
-                <a:cubicBezTo>
-                  <a:pt x="19179" y="1262"/>
-                  <a:pt x="13828" y="1279"/>
-                  <a:pt x="10579" y="4528"/>
-                </a:cubicBezTo>
-                <a:cubicBezTo>
-                  <a:pt x="-6060" y="21167"/>
-                  <a:pt x="627" y="52165"/>
-                  <a:pt x="6334" y="74994"/>
-                </a:cubicBezTo>
-                <a:cubicBezTo>
-                  <a:pt x="9998" y="89652"/>
-                  <a:pt x="10405" y="106005"/>
-                  <a:pt x="18786" y="118576"/>
-                </a:cubicBezTo>
-              </a:path>
-            </a:pathLst>
-          </a:custGeom>
-          <a:noFill/>
-          <a:ln w="28575" cap="flat" cmpd="sng">
-            <a:solidFill>
-              <a:srgbClr val="0000FF"/>
-            </a:solidFill>
-            <a:prstDash val="solid"/>
-            <a:round/>
-            <a:headEnd type="none" w="med" len="med"/>
-            <a:tailEnd type="stealth" w="med" len="med"/>
-          </a:ln>
-        </p:spPr>
+        </p:spPr>
+        <p:txBody>
+          <a:bodyPr wrap="none" rtlCol="0">
+            <a:spAutoFit/>
+          </a:bodyPr>
+          <a:lstStyle/>
+          <a:p>
+            <a:pPr algn="ctr"/>
+            <a:r>
+              <a:rPr lang="ru-RU" sz="1800" dirty="0" smtClean="0"/>
+              <a:t>Окно входа в систему</a:t>
+            </a:r>
+            <a:endParaRPr lang="ru-RU" sz="1800" dirty="0"/>
+          </a:p>
+        </p:txBody>
       </p:sp>
     </p:spTree>
   </p:cSld>
@@ -8033,6 +7573,834 @@
 </file>
 
 <file path=ppt/slides/slide13.xml><?xml version="1.0" encoding="utf-8"?>
+<p:sld xmlns:a="http://schemas.openxmlformats.org/drawingml/2006/main" xmlns:r="http://schemas.openxmlformats.org/officeDocument/2006/relationships" xmlns:p="http://schemas.openxmlformats.org/presentationml/2006/main">
+  <p:cSld>
+    <p:spTree>
+      <p:nvGrpSpPr>
+        <p:cNvPr id="1" name=""/>
+        <p:cNvGrpSpPr/>
+        <p:nvPr/>
+      </p:nvGrpSpPr>
+      <p:grpSpPr>
+        <a:xfrm>
+          <a:off x="0" y="0"/>
+          <a:ext cx="0" cy="0"/>
+          <a:chOff x="0" y="0"/>
+          <a:chExt cx="0" cy="0"/>
+        </a:xfrm>
+      </p:grpSpPr>
+      <p:sp>
+        <p:nvSpPr>
+          <p:cNvPr id="2" name="Заголовок 1"/>
+          <p:cNvSpPr>
+            <a:spLocks noGrp="1"/>
+          </p:cNvSpPr>
+          <p:nvPr>
+            <p:ph type="title"/>
+          </p:nvPr>
+        </p:nvSpPr>
+        <p:spPr>
+          <a:xfrm>
+            <a:off x="311700" y="107539"/>
+            <a:ext cx="8520600" cy="475013"/>
+          </a:xfrm>
+        </p:spPr>
+        <p:txBody>
+          <a:bodyPr/>
+          <a:lstStyle/>
+          <a:p>
+            <a:r>
+              <a:rPr lang="ru-RU" sz="2400" dirty="0" smtClean="0"/>
+              <a:t>Реализация</a:t>
+            </a:r>
+            <a:endParaRPr lang="ru-RU" sz="2400" dirty="0"/>
+          </a:p>
+        </p:txBody>
+      </p:sp>
+      <p:sp>
+        <p:nvSpPr>
+          <p:cNvPr id="3" name="Текст 2"/>
+          <p:cNvSpPr>
+            <a:spLocks noGrp="1"/>
+          </p:cNvSpPr>
+          <p:nvPr>
+            <p:ph type="body" idx="1"/>
+          </p:nvPr>
+        </p:nvSpPr>
+        <p:spPr>
+          <a:xfrm>
+            <a:off x="311700" y="582552"/>
+            <a:ext cx="8520600" cy="4560948"/>
+          </a:xfrm>
+        </p:spPr>
+        <p:txBody>
+          <a:bodyPr/>
+          <a:lstStyle/>
+          <a:p>
+            <a:endParaRPr lang="ru-RU" dirty="0"/>
+          </a:p>
+        </p:txBody>
+      </p:sp>
+      <p:pic>
+        <p:nvPicPr>
+          <p:cNvPr id="5" name="Рисунок 4" descr="OvertimeOrdering.PNG"/>
+          <p:cNvPicPr>
+            <a:picLocks noChangeAspect="1"/>
+          </p:cNvPicPr>
+          <p:nvPr/>
+        </p:nvPicPr>
+        <p:blipFill>
+          <a:blip r:embed="rId2"/>
+          <a:stretch>
+            <a:fillRect/>
+          </a:stretch>
+        </p:blipFill>
+        <p:spPr>
+          <a:xfrm>
+            <a:off x="1379008" y="578547"/>
+            <a:ext cx="6385983" cy="4016553"/>
+          </a:xfrm>
+          <a:prstGeom prst="rect">
+            <a:avLst/>
+          </a:prstGeom>
+        </p:spPr>
+      </p:pic>
+      <p:sp>
+        <p:nvSpPr>
+          <p:cNvPr id="6" name="Прямоугольник 5"/>
+          <p:cNvSpPr/>
+          <p:nvPr/>
+        </p:nvSpPr>
+        <p:spPr>
+          <a:xfrm>
+            <a:off x="2111079" y="4684634"/>
+            <a:ext cx="5881738" cy="369332"/>
+          </a:xfrm>
+          <a:prstGeom prst="rect">
+            <a:avLst/>
+          </a:prstGeom>
+        </p:spPr>
+        <p:txBody>
+          <a:bodyPr wrap="none">
+            <a:spAutoFit/>
+          </a:bodyPr>
+          <a:lstStyle/>
+          <a:p>
+            <a:pPr algn="ctr"/>
+            <a:r>
+              <a:rPr lang="ru-RU" sz="1800" dirty="0" smtClean="0"/>
+              <a:t>Главная страница разработчика. Заказ переработки</a:t>
+            </a:r>
+            <a:endParaRPr lang="ru-RU" sz="1800" dirty="0"/>
+          </a:p>
+        </p:txBody>
+      </p:sp>
+    </p:spTree>
+  </p:cSld>
+  <p:clrMapOvr>
+    <a:masterClrMapping/>
+  </p:clrMapOvr>
+  <p:timing>
+    <p:tnLst>
+      <p:par>
+        <p:cTn id="1" dur="indefinite" restart="never" nodeType="tmRoot"/>
+      </p:par>
+    </p:tnLst>
+  </p:timing>
+</p:sld>
+</file>
+
+<file path=ppt/slides/slide14.xml><?xml version="1.0" encoding="utf-8"?>
+<p:sld xmlns:a="http://schemas.openxmlformats.org/drawingml/2006/main" xmlns:r="http://schemas.openxmlformats.org/officeDocument/2006/relationships" xmlns:p="http://schemas.openxmlformats.org/presentationml/2006/main">
+  <p:cSld>
+    <p:spTree>
+      <p:nvGrpSpPr>
+        <p:cNvPr id="1" name=""/>
+        <p:cNvGrpSpPr/>
+        <p:nvPr/>
+      </p:nvGrpSpPr>
+      <p:grpSpPr>
+        <a:xfrm>
+          <a:off x="0" y="0"/>
+          <a:ext cx="0" cy="0"/>
+          <a:chOff x="0" y="0"/>
+          <a:chExt cx="0" cy="0"/>
+        </a:xfrm>
+      </p:grpSpPr>
+      <p:sp>
+        <p:nvSpPr>
+          <p:cNvPr id="2" name="Заголовок 1"/>
+          <p:cNvSpPr>
+            <a:spLocks noGrp="1"/>
+          </p:cNvSpPr>
+          <p:nvPr>
+            <p:ph type="title"/>
+          </p:nvPr>
+        </p:nvSpPr>
+        <p:spPr>
+          <a:xfrm>
+            <a:off x="311700" y="82413"/>
+            <a:ext cx="8520600" cy="481791"/>
+          </a:xfrm>
+        </p:spPr>
+        <p:txBody>
+          <a:bodyPr/>
+          <a:lstStyle/>
+          <a:p>
+            <a:r>
+              <a:rPr lang="ru-RU" sz="2400" dirty="0" smtClean="0"/>
+              <a:t>Реализация</a:t>
+            </a:r>
+            <a:endParaRPr lang="ru-RU" sz="2400" dirty="0"/>
+          </a:p>
+        </p:txBody>
+      </p:sp>
+      <p:sp>
+        <p:nvSpPr>
+          <p:cNvPr id="3" name="Текст 2"/>
+          <p:cNvSpPr>
+            <a:spLocks noGrp="1"/>
+          </p:cNvSpPr>
+          <p:nvPr>
+            <p:ph type="body" idx="1"/>
+          </p:nvPr>
+        </p:nvSpPr>
+        <p:spPr>
+          <a:xfrm>
+            <a:off x="311700" y="564204"/>
+            <a:ext cx="8520600" cy="4579296"/>
+          </a:xfrm>
+        </p:spPr>
+        <p:txBody>
+          <a:bodyPr/>
+          <a:lstStyle/>
+          <a:p>
+            <a:endParaRPr lang="ru-RU" dirty="0"/>
+          </a:p>
+        </p:txBody>
+      </p:sp>
+      <p:pic>
+        <p:nvPicPr>
+          <p:cNvPr id="4" name="Рисунок 3" descr="Stats.PNG"/>
+          <p:cNvPicPr>
+            <a:picLocks noChangeAspect="1"/>
+          </p:cNvPicPr>
+          <p:nvPr/>
+        </p:nvPicPr>
+        <p:blipFill>
+          <a:blip r:embed="rId2"/>
+          <a:stretch>
+            <a:fillRect/>
+          </a:stretch>
+        </p:blipFill>
+        <p:spPr>
+          <a:xfrm>
+            <a:off x="1271982" y="564204"/>
+            <a:ext cx="6600036" cy="4060487"/>
+          </a:xfrm>
+          <a:prstGeom prst="rect">
+            <a:avLst/>
+          </a:prstGeom>
+        </p:spPr>
+      </p:pic>
+      <p:sp>
+        <p:nvSpPr>
+          <p:cNvPr id="5" name="Прямоугольник 4"/>
+          <p:cNvSpPr/>
+          <p:nvPr/>
+        </p:nvSpPr>
+        <p:spPr>
+          <a:xfrm>
+            <a:off x="2337394" y="4707104"/>
+            <a:ext cx="5368777" cy="369332"/>
+          </a:xfrm>
+          <a:prstGeom prst="rect">
+            <a:avLst/>
+          </a:prstGeom>
+        </p:spPr>
+        <p:txBody>
+          <a:bodyPr wrap="none">
+            <a:spAutoFit/>
+          </a:bodyPr>
+          <a:lstStyle/>
+          <a:p>
+            <a:pPr algn="ctr"/>
+            <a:r>
+              <a:rPr lang="ru-RU" sz="1800" dirty="0" smtClean="0"/>
+              <a:t>Просмотр рабочих дней текущего пользователя</a:t>
+            </a:r>
+            <a:endParaRPr lang="ru-RU" sz="1800" dirty="0"/>
+          </a:p>
+        </p:txBody>
+      </p:sp>
+    </p:spTree>
+  </p:cSld>
+  <p:clrMapOvr>
+    <a:masterClrMapping/>
+  </p:clrMapOvr>
+  <p:timing>
+    <p:tnLst>
+      <p:par>
+        <p:cTn id="1" dur="indefinite" restart="never" nodeType="tmRoot"/>
+      </p:par>
+    </p:tnLst>
+  </p:timing>
+</p:sld>
+</file>
+
+<file path=ppt/slides/slide15.xml><?xml version="1.0" encoding="utf-8"?>
+<p:sld xmlns:a="http://schemas.openxmlformats.org/drawingml/2006/main" xmlns:r="http://schemas.openxmlformats.org/officeDocument/2006/relationships" xmlns:p="http://schemas.openxmlformats.org/presentationml/2006/main">
+  <p:cSld>
+    <p:spTree>
+      <p:nvGrpSpPr>
+        <p:cNvPr id="1" name=""/>
+        <p:cNvGrpSpPr/>
+        <p:nvPr/>
+      </p:nvGrpSpPr>
+      <p:grpSpPr>
+        <a:xfrm>
+          <a:off x="0" y="0"/>
+          <a:ext cx="0" cy="0"/>
+          <a:chOff x="0" y="0"/>
+          <a:chExt cx="0" cy="0"/>
+        </a:xfrm>
+      </p:grpSpPr>
+      <p:sp>
+        <p:nvSpPr>
+          <p:cNvPr id="2" name="Заголовок 1"/>
+          <p:cNvSpPr>
+            <a:spLocks noGrp="1"/>
+          </p:cNvSpPr>
+          <p:nvPr>
+            <p:ph type="title"/>
+          </p:nvPr>
+        </p:nvSpPr>
+        <p:spPr>
+          <a:xfrm>
+            <a:off x="311700" y="78275"/>
+            <a:ext cx="8741509" cy="538739"/>
+          </a:xfrm>
+        </p:spPr>
+        <p:txBody>
+          <a:bodyPr/>
+          <a:lstStyle/>
+          <a:p>
+            <a:r>
+              <a:rPr lang="ru-RU" sz="2400" dirty="0" smtClean="0"/>
+              <a:t>Реализация</a:t>
+            </a:r>
+            <a:endParaRPr lang="ru-RU" sz="2400" dirty="0"/>
+          </a:p>
+        </p:txBody>
+      </p:sp>
+      <p:sp>
+        <p:nvSpPr>
+          <p:cNvPr id="3" name="Текст 2"/>
+          <p:cNvSpPr>
+            <a:spLocks noGrp="1"/>
+          </p:cNvSpPr>
+          <p:nvPr>
+            <p:ph type="body" idx="1"/>
+          </p:nvPr>
+        </p:nvSpPr>
+        <p:spPr>
+          <a:xfrm>
+            <a:off x="311700" y="590144"/>
+            <a:ext cx="8520600" cy="4553356"/>
+          </a:xfrm>
+        </p:spPr>
+        <p:txBody>
+          <a:bodyPr/>
+          <a:lstStyle/>
+          <a:p>
+            <a:endParaRPr lang="ru-RU" dirty="0"/>
+          </a:p>
+        </p:txBody>
+      </p:sp>
+      <p:pic>
+        <p:nvPicPr>
+          <p:cNvPr id="4" name="Рисунок 3" descr="WorkdayManaging.PNG"/>
+          <p:cNvPicPr>
+            <a:picLocks noChangeAspect="1"/>
+          </p:cNvPicPr>
+          <p:nvPr/>
+        </p:nvPicPr>
+        <p:blipFill>
+          <a:blip r:embed="rId2"/>
+          <a:stretch>
+            <a:fillRect/>
+          </a:stretch>
+        </p:blipFill>
+        <p:spPr>
+          <a:xfrm>
+            <a:off x="1675891" y="590144"/>
+            <a:ext cx="5792217" cy="3798275"/>
+          </a:xfrm>
+          <a:prstGeom prst="rect">
+            <a:avLst/>
+          </a:prstGeom>
+        </p:spPr>
+      </p:pic>
+      <p:sp>
+        <p:nvSpPr>
+          <p:cNvPr id="5" name="Прямоугольник 4"/>
+          <p:cNvSpPr/>
+          <p:nvPr/>
+        </p:nvSpPr>
+        <p:spPr>
+          <a:xfrm>
+            <a:off x="311700" y="4515079"/>
+            <a:ext cx="8520600" cy="646331"/>
+          </a:xfrm>
+          <a:prstGeom prst="rect">
+            <a:avLst/>
+          </a:prstGeom>
+        </p:spPr>
+        <p:txBody>
+          <a:bodyPr wrap="square">
+            <a:spAutoFit/>
+          </a:bodyPr>
+          <a:lstStyle/>
+          <a:p>
+            <a:pPr algn="ctr"/>
+            <a:r>
+              <a:rPr lang="ru-RU" sz="1800" dirty="0" smtClean="0"/>
+              <a:t>Главная страница менеджера. Управление текущими рабочими днями сотрудников.</a:t>
+            </a:r>
+            <a:endParaRPr lang="ru-RU" sz="1800" dirty="0"/>
+          </a:p>
+        </p:txBody>
+      </p:sp>
+    </p:spTree>
+  </p:cSld>
+  <p:clrMapOvr>
+    <a:masterClrMapping/>
+  </p:clrMapOvr>
+  <p:timing>
+    <p:tnLst>
+      <p:par>
+        <p:cTn id="1" dur="indefinite" restart="never" nodeType="tmRoot"/>
+      </p:par>
+    </p:tnLst>
+  </p:timing>
+</p:sld>
+</file>
+
+<file path=ppt/slides/slide16.xml><?xml version="1.0" encoding="utf-8"?>
+<p:sld xmlns:a="http://schemas.openxmlformats.org/drawingml/2006/main" xmlns:r="http://schemas.openxmlformats.org/officeDocument/2006/relationships" xmlns:p="http://schemas.openxmlformats.org/presentationml/2006/main">
+  <p:cSld>
+    <p:spTree>
+      <p:nvGrpSpPr>
+        <p:cNvPr id="1" name=""/>
+        <p:cNvGrpSpPr/>
+        <p:nvPr/>
+      </p:nvGrpSpPr>
+      <p:grpSpPr>
+        <a:xfrm>
+          <a:off x="0" y="0"/>
+          <a:ext cx="0" cy="0"/>
+          <a:chOff x="0" y="0"/>
+          <a:chExt cx="0" cy="0"/>
+        </a:xfrm>
+      </p:grpSpPr>
+      <p:sp>
+        <p:nvSpPr>
+          <p:cNvPr id="2" name="Заголовок 1"/>
+          <p:cNvSpPr>
+            <a:spLocks noGrp="1"/>
+          </p:cNvSpPr>
+          <p:nvPr>
+            <p:ph type="title"/>
+          </p:nvPr>
+        </p:nvSpPr>
+        <p:spPr>
+          <a:xfrm>
+            <a:off x="311700" y="74722"/>
+            <a:ext cx="8520600" cy="518750"/>
+          </a:xfrm>
+        </p:spPr>
+        <p:txBody>
+          <a:bodyPr/>
+          <a:lstStyle/>
+          <a:p>
+            <a:r>
+              <a:rPr lang="ru-RU" sz="2400" dirty="0" smtClean="0"/>
+              <a:t>Реализация</a:t>
+            </a:r>
+            <a:endParaRPr lang="ru-RU" sz="2400" dirty="0"/>
+          </a:p>
+        </p:txBody>
+      </p:sp>
+      <p:sp>
+        <p:nvSpPr>
+          <p:cNvPr id="3" name="Текст 2"/>
+          <p:cNvSpPr>
+            <a:spLocks noGrp="1"/>
+          </p:cNvSpPr>
+          <p:nvPr>
+            <p:ph type="body" idx="1"/>
+          </p:nvPr>
+        </p:nvSpPr>
+        <p:spPr>
+          <a:xfrm>
+            <a:off x="311700" y="593472"/>
+            <a:ext cx="8520600" cy="4550028"/>
+          </a:xfrm>
+        </p:spPr>
+        <p:txBody>
+          <a:bodyPr/>
+          <a:lstStyle/>
+          <a:p>
+            <a:endParaRPr lang="ru-RU" dirty="0"/>
+          </a:p>
+        </p:txBody>
+      </p:sp>
+      <p:pic>
+        <p:nvPicPr>
+          <p:cNvPr id="4" name="Рисунок 3" descr="ActivityChanging.PNG"/>
+          <p:cNvPicPr>
+            <a:picLocks noChangeAspect="1"/>
+          </p:cNvPicPr>
+          <p:nvPr/>
+        </p:nvPicPr>
+        <p:blipFill>
+          <a:blip r:embed="rId2"/>
+          <a:stretch>
+            <a:fillRect/>
+          </a:stretch>
+        </p:blipFill>
+        <p:spPr>
+          <a:xfrm>
+            <a:off x="1563076" y="593472"/>
+            <a:ext cx="6017848" cy="3929376"/>
+          </a:xfrm>
+          <a:prstGeom prst="rect">
+            <a:avLst/>
+          </a:prstGeom>
+        </p:spPr>
+      </p:pic>
+      <p:sp>
+        <p:nvSpPr>
+          <p:cNvPr id="5" name="Прямоугольник 4"/>
+          <p:cNvSpPr/>
+          <p:nvPr/>
+        </p:nvSpPr>
+        <p:spPr>
+          <a:xfrm>
+            <a:off x="2182047" y="4603343"/>
+            <a:ext cx="5607625" cy="369332"/>
+          </a:xfrm>
+          <a:prstGeom prst="rect">
+            <a:avLst/>
+          </a:prstGeom>
+        </p:spPr>
+        <p:txBody>
+          <a:bodyPr wrap="none">
+            <a:spAutoFit/>
+          </a:bodyPr>
+          <a:lstStyle/>
+          <a:p>
+            <a:pPr algn="ctr"/>
+            <a:r>
+              <a:rPr lang="ru-RU" sz="1800" dirty="0" smtClean="0"/>
+              <a:t>Управление текущими активностями сотрудников.</a:t>
+            </a:r>
+            <a:endParaRPr lang="ru-RU" sz="1800" dirty="0"/>
+          </a:p>
+        </p:txBody>
+      </p:sp>
+    </p:spTree>
+  </p:cSld>
+  <p:clrMapOvr>
+    <a:masterClrMapping/>
+  </p:clrMapOvr>
+  <p:timing>
+    <p:tnLst>
+      <p:par>
+        <p:cTn id="1" dur="indefinite" restart="never" nodeType="tmRoot"/>
+      </p:par>
+    </p:tnLst>
+  </p:timing>
+</p:sld>
+</file>
+
+<file path=ppt/slides/slide17.xml><?xml version="1.0" encoding="utf-8"?>
+<p:sld xmlns:a="http://schemas.openxmlformats.org/drawingml/2006/main" xmlns:r="http://schemas.openxmlformats.org/officeDocument/2006/relationships" xmlns:p="http://schemas.openxmlformats.org/presentationml/2006/main">
+  <p:cSld>
+    <p:spTree>
+      <p:nvGrpSpPr>
+        <p:cNvPr id="1" name=""/>
+        <p:cNvGrpSpPr/>
+        <p:nvPr/>
+      </p:nvGrpSpPr>
+      <p:grpSpPr>
+        <a:xfrm>
+          <a:off x="0" y="0"/>
+          <a:ext cx="0" cy="0"/>
+          <a:chOff x="0" y="0"/>
+          <a:chExt cx="0" cy="0"/>
+        </a:xfrm>
+      </p:grpSpPr>
+      <p:sp>
+        <p:nvSpPr>
+          <p:cNvPr id="2" name="Заголовок 1"/>
+          <p:cNvSpPr>
+            <a:spLocks noGrp="1"/>
+          </p:cNvSpPr>
+          <p:nvPr>
+            <p:ph type="title"/>
+          </p:nvPr>
+        </p:nvSpPr>
+        <p:spPr>
+          <a:xfrm>
+            <a:off x="311700" y="89926"/>
+            <a:ext cx="8520600" cy="439387"/>
+          </a:xfrm>
+        </p:spPr>
+        <p:txBody>
+          <a:bodyPr/>
+          <a:lstStyle/>
+          <a:p>
+            <a:r>
+              <a:rPr lang="ru-RU" sz="2400" dirty="0" smtClean="0"/>
+              <a:t>Реализация </a:t>
+            </a:r>
+            <a:endParaRPr lang="ru-RU" sz="2400" dirty="0"/>
+          </a:p>
+        </p:txBody>
+      </p:sp>
+      <p:sp>
+        <p:nvSpPr>
+          <p:cNvPr id="3" name="Текст 2"/>
+          <p:cNvSpPr>
+            <a:spLocks noGrp="1"/>
+          </p:cNvSpPr>
+          <p:nvPr>
+            <p:ph type="body" idx="1"/>
+          </p:nvPr>
+        </p:nvSpPr>
+        <p:spPr>
+          <a:xfrm>
+            <a:off x="311700" y="600564"/>
+            <a:ext cx="8520600" cy="4542935"/>
+          </a:xfrm>
+        </p:spPr>
+        <p:txBody>
+          <a:bodyPr/>
+          <a:lstStyle/>
+          <a:p>
+            <a:endParaRPr lang="ru-RU" dirty="0"/>
+          </a:p>
+        </p:txBody>
+      </p:sp>
+      <p:pic>
+        <p:nvPicPr>
+          <p:cNvPr id="4" name="Рисунок 3" descr="Deleting.PNG"/>
+          <p:cNvPicPr>
+            <a:picLocks noChangeAspect="1"/>
+          </p:cNvPicPr>
+          <p:nvPr/>
+        </p:nvPicPr>
+        <p:blipFill>
+          <a:blip r:embed="rId3"/>
+          <a:stretch>
+            <a:fillRect/>
+          </a:stretch>
+        </p:blipFill>
+        <p:spPr>
+          <a:xfrm>
+            <a:off x="1545762" y="600564"/>
+            <a:ext cx="6052475" cy="3900910"/>
+          </a:xfrm>
+          <a:prstGeom prst="rect">
+            <a:avLst/>
+          </a:prstGeom>
+        </p:spPr>
+      </p:pic>
+      <p:sp>
+        <p:nvSpPr>
+          <p:cNvPr id="5" name="Прямоугольник 4"/>
+          <p:cNvSpPr/>
+          <p:nvPr/>
+        </p:nvSpPr>
+        <p:spPr>
+          <a:xfrm>
+            <a:off x="2541850" y="4629283"/>
+            <a:ext cx="4855816" cy="369332"/>
+          </a:xfrm>
+          <a:prstGeom prst="rect">
+            <a:avLst/>
+          </a:prstGeom>
+        </p:spPr>
+        <p:txBody>
+          <a:bodyPr wrap="none">
+            <a:spAutoFit/>
+          </a:bodyPr>
+          <a:lstStyle/>
+          <a:p>
+            <a:pPr algn="ctr"/>
+            <a:r>
+              <a:rPr lang="ru-RU" sz="1800" dirty="0" smtClean="0"/>
+              <a:t>Удаление учетных записей пользователей.</a:t>
+            </a:r>
+            <a:endParaRPr lang="ru-RU" sz="1800" dirty="0"/>
+          </a:p>
+        </p:txBody>
+      </p:sp>
+    </p:spTree>
+  </p:cSld>
+  <p:clrMapOvr>
+    <a:masterClrMapping/>
+  </p:clrMapOvr>
+  <p:timing>
+    <p:tnLst>
+      <p:par>
+        <p:cTn id="1" dur="indefinite" restart="never" nodeType="tmRoot"/>
+      </p:par>
+    </p:tnLst>
+  </p:timing>
+</p:sld>
+</file>
+
+<file path=ppt/slides/slide18.xml><?xml version="1.0" encoding="utf-8"?>
+<p:sld xmlns:a="http://schemas.openxmlformats.org/drawingml/2006/main" xmlns:r="http://schemas.openxmlformats.org/officeDocument/2006/relationships" xmlns:p="http://schemas.openxmlformats.org/presentationml/2006/main">
+  <p:cSld>
+    <p:spTree>
+      <p:nvGrpSpPr>
+        <p:cNvPr id="1" name=""/>
+        <p:cNvGrpSpPr/>
+        <p:nvPr/>
+      </p:nvGrpSpPr>
+      <p:grpSpPr>
+        <a:xfrm>
+          <a:off x="0" y="0"/>
+          <a:ext cx="0" cy="0"/>
+          <a:chOff x="0" y="0"/>
+          <a:chExt cx="0" cy="0"/>
+        </a:xfrm>
+      </p:grpSpPr>
+      <p:sp>
+        <p:nvSpPr>
+          <p:cNvPr id="2" name="Заголовок 1"/>
+          <p:cNvSpPr>
+            <a:spLocks noGrp="1"/>
+          </p:cNvSpPr>
+          <p:nvPr>
+            <p:ph type="title"/>
+          </p:nvPr>
+        </p:nvSpPr>
+        <p:spPr>
+          <a:xfrm>
+            <a:off x="311700" y="94922"/>
+            <a:ext cx="8520600" cy="427512"/>
+          </a:xfrm>
+        </p:spPr>
+        <p:txBody>
+          <a:bodyPr/>
+          <a:lstStyle/>
+          <a:p>
+            <a:r>
+              <a:rPr lang="ru-RU" sz="2400" dirty="0" smtClean="0"/>
+              <a:t>Реализация</a:t>
+            </a:r>
+            <a:endParaRPr lang="ru-RU" sz="2400" dirty="0"/>
+          </a:p>
+        </p:txBody>
+      </p:sp>
+      <p:sp>
+        <p:nvSpPr>
+          <p:cNvPr id="3" name="Текст 2"/>
+          <p:cNvSpPr>
+            <a:spLocks noGrp="1"/>
+          </p:cNvSpPr>
+          <p:nvPr>
+            <p:ph type="body" idx="1"/>
+          </p:nvPr>
+        </p:nvSpPr>
+        <p:spPr>
+          <a:xfrm>
+            <a:off x="311700" y="629056"/>
+            <a:ext cx="8520600" cy="4514444"/>
+          </a:xfrm>
+        </p:spPr>
+        <p:txBody>
+          <a:bodyPr/>
+          <a:lstStyle/>
+          <a:p>
+            <a:endParaRPr lang="ru-RU" dirty="0"/>
+          </a:p>
+        </p:txBody>
+      </p:sp>
+      <p:pic>
+        <p:nvPicPr>
+          <p:cNvPr id="4" name="Рисунок 3" descr="Registration.PNG"/>
+          <p:cNvPicPr>
+            <a:picLocks noChangeAspect="1"/>
+          </p:cNvPicPr>
+          <p:nvPr/>
+        </p:nvPicPr>
+        <p:blipFill>
+          <a:blip r:embed="rId2"/>
+          <a:stretch>
+            <a:fillRect/>
+          </a:stretch>
+        </p:blipFill>
+        <p:spPr>
+          <a:xfrm>
+            <a:off x="1931145" y="629056"/>
+            <a:ext cx="5278168" cy="3845282"/>
+          </a:xfrm>
+          <a:prstGeom prst="rect">
+            <a:avLst/>
+          </a:prstGeom>
+        </p:spPr>
+      </p:pic>
+      <p:sp>
+        <p:nvSpPr>
+          <p:cNvPr id="5" name="Прямоугольник 4"/>
+          <p:cNvSpPr/>
+          <p:nvPr/>
+        </p:nvSpPr>
+        <p:spPr>
+          <a:xfrm>
+            <a:off x="2564078" y="4566206"/>
+            <a:ext cx="4015843" cy="369332"/>
+          </a:xfrm>
+          <a:prstGeom prst="rect">
+            <a:avLst/>
+          </a:prstGeom>
+        </p:spPr>
+        <p:txBody>
+          <a:bodyPr wrap="none">
+            <a:spAutoFit/>
+          </a:bodyPr>
+          <a:lstStyle/>
+          <a:p>
+            <a:pPr algn="ctr"/>
+            <a:r>
+              <a:rPr lang="ru-RU" sz="1800" dirty="0" smtClean="0"/>
+              <a:t>Регистрация новых пользователей.</a:t>
+            </a:r>
+            <a:endParaRPr lang="ru-RU" sz="1800" dirty="0"/>
+          </a:p>
+        </p:txBody>
+      </p:sp>
+    </p:spTree>
+  </p:cSld>
+  <p:clrMapOvr>
+    <a:masterClrMapping/>
+  </p:clrMapOvr>
+  <p:timing>
+    <p:tnLst>
+      <p:par>
+        <p:cTn id="1" dur="indefinite" restart="never" nodeType="tmRoot"/>
+      </p:par>
+    </p:tnLst>
+  </p:timing>
+</p:sld>
+</file>
+
+<file path=ppt/slides/slide19.xml><?xml version="1.0" encoding="utf-8"?>
 <p:sld xmlns:a="http://schemas.openxmlformats.org/drawingml/2006/main" xmlns:r="http://schemas.openxmlformats.org/officeDocument/2006/relationships" xmlns:p="http://schemas.openxmlformats.org/presentationml/2006/main">
   <p:cSld>
     <p:spTree>
@@ -8269,399 +8637,6 @@
         </p:txBody>
       </p:sp>
     </p:spTree>
-  </p:cSld>
-  <p:clrMapOvr>
-    <a:masterClrMapping/>
-  </p:clrMapOvr>
-  <p:timing>
-    <p:tnLst>
-      <p:par>
-        <p:cTn id="1" dur="indefinite" restart="never" nodeType="tmRoot"/>
-      </p:par>
-    </p:tnLst>
-  </p:timing>
-</p:sld>
-</file>
-
-<file path=ppt/slides/slide14.xml><?xml version="1.0" encoding="utf-8"?>
-<p:sld xmlns:a="http://schemas.openxmlformats.org/drawingml/2006/main" xmlns:r="http://schemas.openxmlformats.org/officeDocument/2006/relationships" xmlns:p="http://schemas.openxmlformats.org/presentationml/2006/main">
-  <p:cSld>
-    <p:spTree>
-      <p:nvGrpSpPr>
-        <p:cNvPr id="1" name="Shape 53"/>
-        <p:cNvGrpSpPr/>
-        <p:nvPr/>
-      </p:nvGrpSpPr>
-      <p:grpSpPr>
-        <a:xfrm>
-          <a:off x="0" y="0"/>
-          <a:ext cx="0" cy="0"/>
-          <a:chOff x="0" y="0"/>
-          <a:chExt cx="0" cy="0"/>
-        </a:xfrm>
-      </p:grpSpPr>
-      <p:sp>
-        <p:nvSpPr>
-          <p:cNvPr id="54" name="Google Shape;54;p13"/>
-          <p:cNvSpPr txBox="1">
-            <a:spLocks noGrp="1"/>
-          </p:cNvSpPr>
-          <p:nvPr>
-            <p:ph type="ctrTitle"/>
-          </p:nvPr>
-        </p:nvSpPr>
-        <p:spPr>
-          <a:xfrm>
-            <a:off x="311700" y="1285093"/>
-            <a:ext cx="8520600" cy="1450673"/>
-          </a:xfrm>
-          <a:prstGeom prst="rect">
-            <a:avLst/>
-          </a:prstGeom>
-        </p:spPr>
-        <p:txBody>
-          <a:bodyPr spcFirstLastPara="1" wrap="square" lIns="91425" tIns="91425" rIns="91425" bIns="91425" anchor="b" anchorCtr="0">
-            <a:noAutofit/>
-          </a:bodyPr>
-          <a:lstStyle/>
-          <a:p>
-            <a:pPr marL="0" lvl="0" indent="0" algn="r" rtl="0">
-              <a:spcBef>
-                <a:spcPts val="0"/>
-              </a:spcBef>
-              <a:spcAft>
-                <a:spcPts val="0"/>
-              </a:spcAft>
-              <a:buNone/>
-            </a:pPr>
-            <a:r>
-              <a:rPr lang="ru" sz="4400" dirty="0"/>
-              <a:t>Учёт рабочего времени сотрудников IT компании</a:t>
-            </a:r>
-            <a:endParaRPr sz="4400" dirty="0"/>
-          </a:p>
-        </p:txBody>
-      </p:sp>
-      <p:sp>
-        <p:nvSpPr>
-          <p:cNvPr id="55" name="Google Shape;55;p13"/>
-          <p:cNvSpPr txBox="1">
-            <a:spLocks noGrp="1"/>
-          </p:cNvSpPr>
-          <p:nvPr>
-            <p:ph type="subTitle" idx="1"/>
-          </p:nvPr>
-        </p:nvSpPr>
-        <p:spPr>
-          <a:xfrm>
-            <a:off x="3352800" y="2799401"/>
-            <a:ext cx="5479500" cy="1676074"/>
-          </a:xfrm>
-          <a:prstGeom prst="rect">
-            <a:avLst/>
-          </a:prstGeom>
-        </p:spPr>
-        <p:txBody>
-          <a:bodyPr spcFirstLastPara="1" wrap="square" lIns="91425" tIns="91425" rIns="91425" bIns="91425" anchor="t" anchorCtr="0">
-            <a:noAutofit/>
-          </a:bodyPr>
-          <a:lstStyle/>
-          <a:p>
-            <a:pPr marL="0" lvl="0" indent="0" algn="r"/>
-            <a:r>
-              <a:rPr lang="ru" sz="1800" dirty="0">
-                <a:solidFill>
-                  <a:schemeClr val="tx1"/>
-                </a:solidFill>
-              </a:rPr>
-              <a:t>Выполнили: студенты 3 </a:t>
-            </a:r>
-            <a:r>
-              <a:rPr lang="ru" sz="1800" dirty="0" smtClean="0">
-                <a:solidFill>
-                  <a:schemeClr val="tx1"/>
-                </a:solidFill>
-              </a:rPr>
-              <a:t>курса, 1 группы </a:t>
-            </a:r>
-            <a:endParaRPr sz="1800" dirty="0">
-              <a:solidFill>
-                <a:schemeClr val="tx1"/>
-              </a:solidFill>
-            </a:endParaRPr>
-          </a:p>
-          <a:p>
-            <a:pPr marL="0" lvl="0" indent="0" algn="r" rtl="0">
-              <a:spcBef>
-                <a:spcPts val="0"/>
-              </a:spcBef>
-              <a:spcAft>
-                <a:spcPts val="0"/>
-              </a:spcAft>
-              <a:buNone/>
-            </a:pPr>
-            <a:r>
-              <a:rPr lang="ru" sz="1800" dirty="0">
-                <a:solidFill>
-                  <a:schemeClr val="tx1"/>
-                </a:solidFill>
-              </a:rPr>
-              <a:t>Никулин Р. А., </a:t>
-            </a:r>
-            <a:endParaRPr sz="1800" dirty="0">
-              <a:solidFill>
-                <a:schemeClr val="tx1"/>
-              </a:solidFill>
-            </a:endParaRPr>
-          </a:p>
-          <a:p>
-            <a:pPr marL="0" lvl="0" indent="0" algn="r" rtl="0">
-              <a:spcBef>
-                <a:spcPts val="0"/>
-              </a:spcBef>
-              <a:spcAft>
-                <a:spcPts val="0"/>
-              </a:spcAft>
-              <a:buNone/>
-            </a:pPr>
-            <a:r>
-              <a:rPr lang="ru" sz="1800" dirty="0" smtClean="0">
-                <a:solidFill>
-                  <a:schemeClr val="tx1"/>
-                </a:solidFill>
-              </a:rPr>
-              <a:t>Дремин </a:t>
-            </a:r>
-            <a:r>
-              <a:rPr lang="ru" sz="1800" dirty="0">
-                <a:solidFill>
-                  <a:schemeClr val="tx1"/>
-                </a:solidFill>
-              </a:rPr>
-              <a:t>М. Б., </a:t>
-            </a:r>
-            <a:endParaRPr sz="1800" dirty="0">
-              <a:solidFill>
-                <a:schemeClr val="tx1"/>
-              </a:solidFill>
-            </a:endParaRPr>
-          </a:p>
-          <a:p>
-            <a:pPr marL="0" lvl="0" indent="0" algn="r" rtl="0">
-              <a:spcBef>
-                <a:spcPts val="0"/>
-              </a:spcBef>
-              <a:spcAft>
-                <a:spcPts val="0"/>
-              </a:spcAft>
-              <a:buNone/>
-            </a:pPr>
-            <a:r>
-              <a:rPr lang="ru" sz="1800" dirty="0">
-                <a:solidFill>
-                  <a:schemeClr val="tx1"/>
-                </a:solidFill>
-              </a:rPr>
-              <a:t>Стратиенко С. В</a:t>
-            </a:r>
-            <a:r>
-              <a:rPr lang="ru" sz="1800" dirty="0" smtClean="0">
-                <a:solidFill>
-                  <a:schemeClr val="tx1"/>
-                </a:solidFill>
-              </a:rPr>
-              <a:t>.</a:t>
-            </a:r>
-          </a:p>
-          <a:p>
-            <a:pPr marL="0" lvl="0" indent="0" algn="r" rtl="0">
-              <a:spcBef>
-                <a:spcPts val="0"/>
-              </a:spcBef>
-              <a:spcAft>
-                <a:spcPts val="0"/>
-              </a:spcAft>
-              <a:buNone/>
-            </a:pPr>
-            <a:r>
-              <a:rPr lang="ru" sz="1800" dirty="0" smtClean="0">
-                <a:solidFill>
-                  <a:schemeClr val="tx1"/>
-                </a:solidFill>
-              </a:rPr>
-              <a:t>Научный руководитель: преп. Иванов И.Ю. </a:t>
-            </a:r>
-            <a:endParaRPr sz="1800" dirty="0">
-              <a:solidFill>
-                <a:schemeClr val="tx1"/>
-              </a:solidFill>
-            </a:endParaRPr>
-          </a:p>
-        </p:txBody>
-      </p:sp>
-      <p:sp>
-        <p:nvSpPr>
-          <p:cNvPr id="56" name="Google Shape;56;p13"/>
-          <p:cNvSpPr txBox="1"/>
-          <p:nvPr/>
-        </p:nvSpPr>
-        <p:spPr>
-          <a:xfrm>
-            <a:off x="3843300" y="4586867"/>
-            <a:ext cx="1847637" cy="393078"/>
-          </a:xfrm>
-          <a:prstGeom prst="rect">
-            <a:avLst/>
-          </a:prstGeom>
-          <a:noFill/>
-          <a:ln>
-            <a:noFill/>
-          </a:ln>
-        </p:spPr>
-        <p:txBody>
-          <a:bodyPr spcFirstLastPara="1" wrap="square" lIns="91425" tIns="91425" rIns="91425" bIns="91425" anchor="t" anchorCtr="0">
-            <a:noAutofit/>
-          </a:bodyPr>
-          <a:lstStyle/>
-          <a:p>
-            <a:pPr marL="0" lvl="0" indent="0" algn="ctr" rtl="0">
-              <a:spcBef>
-                <a:spcPts val="0"/>
-              </a:spcBef>
-              <a:spcAft>
-                <a:spcPts val="0"/>
-              </a:spcAft>
-              <a:buNone/>
-            </a:pPr>
-            <a:r>
-              <a:rPr lang="ru" sz="1800" dirty="0"/>
-              <a:t>Воронеж 2019</a:t>
-            </a:r>
-            <a:endParaRPr sz="1800" dirty="0"/>
-          </a:p>
-        </p:txBody>
-      </p:sp>
-      <p:sp>
-        <p:nvSpPr>
-          <p:cNvPr id="57" name="Google Shape;57;p13"/>
-          <p:cNvSpPr txBox="1"/>
-          <p:nvPr/>
-        </p:nvSpPr>
-        <p:spPr>
-          <a:xfrm>
-            <a:off x="28299" y="0"/>
-            <a:ext cx="7142521" cy="1171500"/>
-          </a:xfrm>
-          <a:prstGeom prst="rect">
-            <a:avLst/>
-          </a:prstGeom>
-          <a:noFill/>
-          <a:ln>
-            <a:noFill/>
-          </a:ln>
-        </p:spPr>
-        <p:txBody>
-          <a:bodyPr spcFirstLastPara="1" wrap="square" lIns="91425" tIns="91425" rIns="91425" bIns="91425" anchor="t" anchorCtr="0">
-            <a:noAutofit/>
-          </a:bodyPr>
-          <a:lstStyle/>
-          <a:p>
-            <a:pPr marL="0" lvl="0" indent="0" algn="l" rtl="0">
-              <a:lnSpc>
-                <a:spcPct val="115000"/>
-              </a:lnSpc>
-              <a:spcBef>
-                <a:spcPts val="0"/>
-              </a:spcBef>
-              <a:spcAft>
-                <a:spcPts val="0"/>
-              </a:spcAft>
-              <a:buNone/>
-            </a:pPr>
-            <a:r>
-              <a:rPr lang="ru" sz="2000" dirty="0">
-                <a:solidFill>
-                  <a:schemeClr val="dk1"/>
-                </a:solidFill>
-              </a:rPr>
-              <a:t>Воронежский Государственный Университет</a:t>
-            </a:r>
-            <a:endParaRPr sz="2000" dirty="0">
-              <a:solidFill>
-                <a:schemeClr val="dk1"/>
-              </a:solidFill>
-            </a:endParaRPr>
-          </a:p>
-          <a:p>
-            <a:pPr marL="0" lvl="0" indent="0" algn="l" rtl="0">
-              <a:lnSpc>
-                <a:spcPct val="115000"/>
-              </a:lnSpc>
-              <a:spcBef>
-                <a:spcPts val="0"/>
-              </a:spcBef>
-              <a:spcAft>
-                <a:spcPts val="0"/>
-              </a:spcAft>
-              <a:buNone/>
-            </a:pPr>
-            <a:r>
-              <a:rPr lang="ru" sz="2000" dirty="0">
-                <a:solidFill>
-                  <a:schemeClr val="dk1"/>
-                </a:solidFill>
-              </a:rPr>
-              <a:t>Факультет Компьютерных Наук</a:t>
-            </a:r>
-            <a:endParaRPr sz="2000" dirty="0">
-              <a:solidFill>
-                <a:schemeClr val="dk1"/>
-              </a:solidFill>
-            </a:endParaRPr>
-          </a:p>
-          <a:p>
-            <a:pPr marL="0" lvl="0" indent="0" algn="l" rtl="0">
-              <a:lnSpc>
-                <a:spcPct val="115000"/>
-              </a:lnSpc>
-              <a:spcBef>
-                <a:spcPts val="0"/>
-              </a:spcBef>
-              <a:spcAft>
-                <a:spcPts val="0"/>
-              </a:spcAft>
-              <a:buNone/>
-            </a:pPr>
-            <a:r>
-              <a:rPr lang="ru" sz="2000" dirty="0">
-                <a:solidFill>
-                  <a:schemeClr val="dk1"/>
-                </a:solidFill>
-              </a:rPr>
-              <a:t>Кафедра информационных </a:t>
-            </a:r>
-            <a:r>
-              <a:rPr lang="ru" sz="2000" dirty="0" smtClean="0">
-                <a:solidFill>
-                  <a:schemeClr val="dk1"/>
-                </a:solidFill>
-              </a:rPr>
-              <a:t>систем</a:t>
-            </a:r>
-            <a:endParaRPr sz="2000" dirty="0">
-              <a:solidFill>
-                <a:schemeClr val="dk1"/>
-              </a:solidFill>
-            </a:endParaRPr>
-          </a:p>
-        </p:txBody>
-      </p:sp>
-    </p:spTree>
-    <p:extLst>
-      <p:ext uri="{BB962C8B-B14F-4D97-AF65-F5344CB8AC3E}">
-        <p14:creationId xmlns:p14="http://schemas.microsoft.com/office/powerpoint/2010/main" val="757791431"/>
-      </p:ext>
-    </p:extLst>
   </p:cSld>
   <p:clrMapOvr>
     <a:masterClrMapping/>
@@ -9375,6 +9350,399 @@
 </p:sld>
 </file>
 
+<file path=ppt/slides/slide20.xml><?xml version="1.0" encoding="utf-8"?>
+<p:sld xmlns:a="http://schemas.openxmlformats.org/drawingml/2006/main" xmlns:r="http://schemas.openxmlformats.org/officeDocument/2006/relationships" xmlns:p="http://schemas.openxmlformats.org/presentationml/2006/main">
+  <p:cSld>
+    <p:spTree>
+      <p:nvGrpSpPr>
+        <p:cNvPr id="1" name="Shape 53"/>
+        <p:cNvGrpSpPr/>
+        <p:nvPr/>
+      </p:nvGrpSpPr>
+      <p:grpSpPr>
+        <a:xfrm>
+          <a:off x="0" y="0"/>
+          <a:ext cx="0" cy="0"/>
+          <a:chOff x="0" y="0"/>
+          <a:chExt cx="0" cy="0"/>
+        </a:xfrm>
+      </p:grpSpPr>
+      <p:sp>
+        <p:nvSpPr>
+          <p:cNvPr id="54" name="Google Shape;54;p13"/>
+          <p:cNvSpPr txBox="1">
+            <a:spLocks noGrp="1"/>
+          </p:cNvSpPr>
+          <p:nvPr>
+            <p:ph type="ctrTitle"/>
+          </p:nvPr>
+        </p:nvSpPr>
+        <p:spPr>
+          <a:xfrm>
+            <a:off x="311700" y="1285093"/>
+            <a:ext cx="8520600" cy="1450673"/>
+          </a:xfrm>
+          <a:prstGeom prst="rect">
+            <a:avLst/>
+          </a:prstGeom>
+        </p:spPr>
+        <p:txBody>
+          <a:bodyPr spcFirstLastPara="1" wrap="square" lIns="91425" tIns="91425" rIns="91425" bIns="91425" anchor="b" anchorCtr="0">
+            <a:noAutofit/>
+          </a:bodyPr>
+          <a:lstStyle/>
+          <a:p>
+            <a:pPr marL="0" lvl="0" indent="0" algn="r" rtl="0">
+              <a:spcBef>
+                <a:spcPts val="0"/>
+              </a:spcBef>
+              <a:spcAft>
+                <a:spcPts val="0"/>
+              </a:spcAft>
+              <a:buNone/>
+            </a:pPr>
+            <a:r>
+              <a:rPr lang="ru" sz="4400" dirty="0"/>
+              <a:t>Учёт рабочего времени сотрудников IT компании</a:t>
+            </a:r>
+            <a:endParaRPr sz="4400" dirty="0"/>
+          </a:p>
+        </p:txBody>
+      </p:sp>
+      <p:sp>
+        <p:nvSpPr>
+          <p:cNvPr id="55" name="Google Shape;55;p13"/>
+          <p:cNvSpPr txBox="1">
+            <a:spLocks noGrp="1"/>
+          </p:cNvSpPr>
+          <p:nvPr>
+            <p:ph type="subTitle" idx="1"/>
+          </p:nvPr>
+        </p:nvSpPr>
+        <p:spPr>
+          <a:xfrm>
+            <a:off x="3352800" y="2799401"/>
+            <a:ext cx="5479500" cy="1676074"/>
+          </a:xfrm>
+          <a:prstGeom prst="rect">
+            <a:avLst/>
+          </a:prstGeom>
+        </p:spPr>
+        <p:txBody>
+          <a:bodyPr spcFirstLastPara="1" wrap="square" lIns="91425" tIns="91425" rIns="91425" bIns="91425" anchor="t" anchorCtr="0">
+            <a:noAutofit/>
+          </a:bodyPr>
+          <a:lstStyle/>
+          <a:p>
+            <a:pPr marL="0" lvl="0" indent="0" algn="r"/>
+            <a:r>
+              <a:rPr lang="ru" sz="1800" dirty="0">
+                <a:solidFill>
+                  <a:schemeClr val="tx1"/>
+                </a:solidFill>
+              </a:rPr>
+              <a:t>Выполнили: студенты 3 </a:t>
+            </a:r>
+            <a:r>
+              <a:rPr lang="ru" sz="1800" dirty="0" smtClean="0">
+                <a:solidFill>
+                  <a:schemeClr val="tx1"/>
+                </a:solidFill>
+              </a:rPr>
+              <a:t>курса, 1 группы </a:t>
+            </a:r>
+            <a:endParaRPr sz="1800" dirty="0">
+              <a:solidFill>
+                <a:schemeClr val="tx1"/>
+              </a:solidFill>
+            </a:endParaRPr>
+          </a:p>
+          <a:p>
+            <a:pPr marL="0" lvl="0" indent="0" algn="r" rtl="0">
+              <a:spcBef>
+                <a:spcPts val="0"/>
+              </a:spcBef>
+              <a:spcAft>
+                <a:spcPts val="0"/>
+              </a:spcAft>
+              <a:buNone/>
+            </a:pPr>
+            <a:r>
+              <a:rPr lang="ru" sz="1800" dirty="0">
+                <a:solidFill>
+                  <a:schemeClr val="tx1"/>
+                </a:solidFill>
+              </a:rPr>
+              <a:t>Никулин Р. А., </a:t>
+            </a:r>
+            <a:endParaRPr sz="1800" dirty="0">
+              <a:solidFill>
+                <a:schemeClr val="tx1"/>
+              </a:solidFill>
+            </a:endParaRPr>
+          </a:p>
+          <a:p>
+            <a:pPr marL="0" lvl="0" indent="0" algn="r" rtl="0">
+              <a:spcBef>
+                <a:spcPts val="0"/>
+              </a:spcBef>
+              <a:spcAft>
+                <a:spcPts val="0"/>
+              </a:spcAft>
+              <a:buNone/>
+            </a:pPr>
+            <a:r>
+              <a:rPr lang="ru" sz="1800" dirty="0" smtClean="0">
+                <a:solidFill>
+                  <a:schemeClr val="tx1"/>
+                </a:solidFill>
+              </a:rPr>
+              <a:t>Дремин </a:t>
+            </a:r>
+            <a:r>
+              <a:rPr lang="ru" sz="1800" dirty="0">
+                <a:solidFill>
+                  <a:schemeClr val="tx1"/>
+                </a:solidFill>
+              </a:rPr>
+              <a:t>М. Б., </a:t>
+            </a:r>
+            <a:endParaRPr sz="1800" dirty="0">
+              <a:solidFill>
+                <a:schemeClr val="tx1"/>
+              </a:solidFill>
+            </a:endParaRPr>
+          </a:p>
+          <a:p>
+            <a:pPr marL="0" lvl="0" indent="0" algn="r" rtl="0">
+              <a:spcBef>
+                <a:spcPts val="0"/>
+              </a:spcBef>
+              <a:spcAft>
+                <a:spcPts val="0"/>
+              </a:spcAft>
+              <a:buNone/>
+            </a:pPr>
+            <a:r>
+              <a:rPr lang="ru" sz="1800" dirty="0">
+                <a:solidFill>
+                  <a:schemeClr val="tx1"/>
+                </a:solidFill>
+              </a:rPr>
+              <a:t>Стратиенко С. В</a:t>
+            </a:r>
+            <a:r>
+              <a:rPr lang="ru" sz="1800" dirty="0" smtClean="0">
+                <a:solidFill>
+                  <a:schemeClr val="tx1"/>
+                </a:solidFill>
+              </a:rPr>
+              <a:t>.</a:t>
+            </a:r>
+          </a:p>
+          <a:p>
+            <a:pPr marL="0" lvl="0" indent="0" algn="r" rtl="0">
+              <a:spcBef>
+                <a:spcPts val="0"/>
+              </a:spcBef>
+              <a:spcAft>
+                <a:spcPts val="0"/>
+              </a:spcAft>
+              <a:buNone/>
+            </a:pPr>
+            <a:r>
+              <a:rPr lang="ru" sz="1800" dirty="0" smtClean="0">
+                <a:solidFill>
+                  <a:schemeClr val="tx1"/>
+                </a:solidFill>
+              </a:rPr>
+              <a:t>Научный руководитель: преп. Иванов И.Ю. </a:t>
+            </a:r>
+            <a:endParaRPr sz="1800" dirty="0">
+              <a:solidFill>
+                <a:schemeClr val="tx1"/>
+              </a:solidFill>
+            </a:endParaRPr>
+          </a:p>
+        </p:txBody>
+      </p:sp>
+      <p:sp>
+        <p:nvSpPr>
+          <p:cNvPr id="56" name="Google Shape;56;p13"/>
+          <p:cNvSpPr txBox="1"/>
+          <p:nvPr/>
+        </p:nvSpPr>
+        <p:spPr>
+          <a:xfrm>
+            <a:off x="3843300" y="4586867"/>
+            <a:ext cx="1847637" cy="393078"/>
+          </a:xfrm>
+          <a:prstGeom prst="rect">
+            <a:avLst/>
+          </a:prstGeom>
+          <a:noFill/>
+          <a:ln>
+            <a:noFill/>
+          </a:ln>
+        </p:spPr>
+        <p:txBody>
+          <a:bodyPr spcFirstLastPara="1" wrap="square" lIns="91425" tIns="91425" rIns="91425" bIns="91425" anchor="t" anchorCtr="0">
+            <a:noAutofit/>
+          </a:bodyPr>
+          <a:lstStyle/>
+          <a:p>
+            <a:pPr marL="0" lvl="0" indent="0" algn="ctr" rtl="0">
+              <a:spcBef>
+                <a:spcPts val="0"/>
+              </a:spcBef>
+              <a:spcAft>
+                <a:spcPts val="0"/>
+              </a:spcAft>
+              <a:buNone/>
+            </a:pPr>
+            <a:r>
+              <a:rPr lang="ru" sz="1800" dirty="0"/>
+              <a:t>Воронеж 2019</a:t>
+            </a:r>
+            <a:endParaRPr sz="1800" dirty="0"/>
+          </a:p>
+        </p:txBody>
+      </p:sp>
+      <p:sp>
+        <p:nvSpPr>
+          <p:cNvPr id="57" name="Google Shape;57;p13"/>
+          <p:cNvSpPr txBox="1"/>
+          <p:nvPr/>
+        </p:nvSpPr>
+        <p:spPr>
+          <a:xfrm>
+            <a:off x="28299" y="0"/>
+            <a:ext cx="7142521" cy="1171500"/>
+          </a:xfrm>
+          <a:prstGeom prst="rect">
+            <a:avLst/>
+          </a:prstGeom>
+          <a:noFill/>
+          <a:ln>
+            <a:noFill/>
+          </a:ln>
+        </p:spPr>
+        <p:txBody>
+          <a:bodyPr spcFirstLastPara="1" wrap="square" lIns="91425" tIns="91425" rIns="91425" bIns="91425" anchor="t" anchorCtr="0">
+            <a:noAutofit/>
+          </a:bodyPr>
+          <a:lstStyle/>
+          <a:p>
+            <a:pPr marL="0" lvl="0" indent="0" algn="l" rtl="0">
+              <a:lnSpc>
+                <a:spcPct val="115000"/>
+              </a:lnSpc>
+              <a:spcBef>
+                <a:spcPts val="0"/>
+              </a:spcBef>
+              <a:spcAft>
+                <a:spcPts val="0"/>
+              </a:spcAft>
+              <a:buNone/>
+            </a:pPr>
+            <a:r>
+              <a:rPr lang="ru" sz="2000" dirty="0">
+                <a:solidFill>
+                  <a:schemeClr val="dk1"/>
+                </a:solidFill>
+              </a:rPr>
+              <a:t>Воронежский Государственный Университет</a:t>
+            </a:r>
+            <a:endParaRPr sz="2000" dirty="0">
+              <a:solidFill>
+                <a:schemeClr val="dk1"/>
+              </a:solidFill>
+            </a:endParaRPr>
+          </a:p>
+          <a:p>
+            <a:pPr marL="0" lvl="0" indent="0" algn="l" rtl="0">
+              <a:lnSpc>
+                <a:spcPct val="115000"/>
+              </a:lnSpc>
+              <a:spcBef>
+                <a:spcPts val="0"/>
+              </a:spcBef>
+              <a:spcAft>
+                <a:spcPts val="0"/>
+              </a:spcAft>
+              <a:buNone/>
+            </a:pPr>
+            <a:r>
+              <a:rPr lang="ru" sz="2000" dirty="0">
+                <a:solidFill>
+                  <a:schemeClr val="dk1"/>
+                </a:solidFill>
+              </a:rPr>
+              <a:t>Факультет Компьютерных Наук</a:t>
+            </a:r>
+            <a:endParaRPr sz="2000" dirty="0">
+              <a:solidFill>
+                <a:schemeClr val="dk1"/>
+              </a:solidFill>
+            </a:endParaRPr>
+          </a:p>
+          <a:p>
+            <a:pPr marL="0" lvl="0" indent="0" algn="l" rtl="0">
+              <a:lnSpc>
+                <a:spcPct val="115000"/>
+              </a:lnSpc>
+              <a:spcBef>
+                <a:spcPts val="0"/>
+              </a:spcBef>
+              <a:spcAft>
+                <a:spcPts val="0"/>
+              </a:spcAft>
+              <a:buNone/>
+            </a:pPr>
+            <a:r>
+              <a:rPr lang="ru" sz="2000" dirty="0">
+                <a:solidFill>
+                  <a:schemeClr val="dk1"/>
+                </a:solidFill>
+              </a:rPr>
+              <a:t>Кафедра информационных </a:t>
+            </a:r>
+            <a:r>
+              <a:rPr lang="ru" sz="2000" dirty="0" smtClean="0">
+                <a:solidFill>
+                  <a:schemeClr val="dk1"/>
+                </a:solidFill>
+              </a:rPr>
+              <a:t>систем</a:t>
+            </a:r>
+            <a:endParaRPr sz="2000" dirty="0">
+              <a:solidFill>
+                <a:schemeClr val="dk1"/>
+              </a:solidFill>
+            </a:endParaRPr>
+          </a:p>
+        </p:txBody>
+      </p:sp>
+    </p:spTree>
+    <p:extLst>
+      <p:ext uri="{BB962C8B-B14F-4D97-AF65-F5344CB8AC3E}">
+        <p14:creationId xmlns:p14="http://schemas.microsoft.com/office/powerpoint/2010/main" val="757791431"/>
+      </p:ext>
+    </p:extLst>
+  </p:cSld>
+  <p:clrMapOvr>
+    <a:masterClrMapping/>
+  </p:clrMapOvr>
+  <p:timing>
+    <p:tnLst>
+      <p:par>
+        <p:cTn id="1" dur="indefinite" restart="never" nodeType="tmRoot"/>
+      </p:par>
+    </p:tnLst>
+  </p:timing>
+</p:sld>
+</file>
+
 <file path=ppt/slides/slide3.xml><?xml version="1.0" encoding="utf-8"?>
 <p:sld xmlns:a="http://schemas.openxmlformats.org/drawingml/2006/main" xmlns:r="http://schemas.openxmlformats.org/officeDocument/2006/relationships" xmlns:p="http://schemas.openxmlformats.org/presentationml/2006/main">
   <p:cSld>
@@ -9446,7 +9814,7 @@
         </p:nvSpPr>
         <p:spPr>
           <a:xfrm>
-            <a:off x="350195" y="589548"/>
+            <a:off x="330740" y="589548"/>
             <a:ext cx="8547371" cy="4553952"/>
           </a:xfrm>
           <a:prstGeom prst="rect">
@@ -9461,33 +9829,39 @@
           <a:p>
             <a:pPr marL="114300" indent="0">
               <a:lnSpc>
-                <a:spcPct val="100000"/>
+                <a:spcPct val="200000"/>
               </a:lnSpc>
-              <a:buNone/>
             </a:pPr>
             <a:r>
+              <a:rPr lang="ru-RU" dirty="0">
+                <a:solidFill>
+                  <a:schemeClr val="tx1"/>
+                </a:solidFill>
+              </a:rPr>
+              <a:t> </a:t>
+            </a:r>
+            <a:r>
               <a:rPr lang="ru-RU" dirty="0" smtClean="0">
                 <a:solidFill>
                   <a:schemeClr val="tx1"/>
                 </a:solidFill>
               </a:rPr>
-              <a:t>Актуальность </a:t>
-            </a:r>
-            <a:r>
-              <a:rPr lang="ru-RU" dirty="0">
+              <a:t>   Основной принцип работы системы - это учет общего количества отработанных каждым сотрудником часов, командировок и отпусков, отгулов и больничных.</a:t>
+            </a:r>
+          </a:p>
+          <a:p>
+            <a:pPr marL="114300" indent="0">
+              <a:lnSpc>
+                <a:spcPct val="200000"/>
+              </a:lnSpc>
+            </a:pPr>
+            <a:r>
+              <a:rPr lang="ru-RU" dirty="0" smtClean="0">
                 <a:solidFill>
                   <a:schemeClr val="tx1"/>
                 </a:solidFill>
               </a:rPr>
-              <a:t>разрабатываемой системы автоматизированного учета рабочего времени заключается в </a:t>
-            </a:r>
-            <a:r>
-              <a:rPr lang="ru-RU" dirty="0" smtClean="0">
-                <a:solidFill>
-                  <a:schemeClr val="tx1"/>
-                </a:solidFill>
-              </a:rPr>
-              <a:t>предоставлении данных, необходимых:</a:t>
+              <a:t>    Актуальность разрабатываемой системы - предоставление данных, необходимых для расчета зарплат сотрудников предприятия, работающих по гибкому графику.</a:t>
             </a:r>
           </a:p>
           <a:p>
@@ -9495,205 +9869,8 @@
               <a:lnSpc>
                 <a:spcPct val="100000"/>
               </a:lnSpc>
-              <a:buNone/>
             </a:pPr>
             <a:endParaRPr lang="ru-RU" dirty="0" smtClean="0">
-              <a:solidFill>
-                <a:schemeClr val="tx1"/>
-              </a:solidFill>
-            </a:endParaRPr>
-          </a:p>
-          <a:p>
-            <a:pPr>
-              <a:lnSpc>
-                <a:spcPct val="150000"/>
-              </a:lnSpc>
-            </a:pPr>
-            <a:r>
-              <a:rPr lang="ru-RU" dirty="0" smtClean="0">
-                <a:solidFill>
-                  <a:schemeClr val="tx1"/>
-                </a:solidFill>
-              </a:rPr>
-              <a:t>Для повышения эффективности работы сотрудников и производительности труда</a:t>
-            </a:r>
-          </a:p>
-          <a:p>
-            <a:pPr>
-              <a:lnSpc>
-                <a:spcPct val="150000"/>
-              </a:lnSpc>
-            </a:pPr>
-            <a:r>
-              <a:rPr lang="ru-RU" dirty="0" smtClean="0">
-                <a:solidFill>
-                  <a:schemeClr val="tx1"/>
-                </a:solidFill>
-              </a:rPr>
-              <a:t>Для </a:t>
-            </a:r>
-            <a:r>
-              <a:rPr lang="ru-RU" dirty="0">
-                <a:solidFill>
-                  <a:schemeClr val="tx1"/>
-                </a:solidFill>
-              </a:rPr>
-              <a:t>поддержания </a:t>
-            </a:r>
-            <a:r>
-              <a:rPr lang="ru-RU" dirty="0" smtClean="0">
-                <a:solidFill>
-                  <a:schemeClr val="tx1"/>
-                </a:solidFill>
-              </a:rPr>
-              <a:t>трудовой дисциплины и стимулирования работников</a:t>
-            </a:r>
-            <a:endParaRPr lang="ru-RU" dirty="0">
-              <a:solidFill>
-                <a:schemeClr val="tx1"/>
-              </a:solidFill>
-            </a:endParaRPr>
-          </a:p>
-          <a:p>
-            <a:pPr>
-              <a:lnSpc>
-                <a:spcPct val="150000"/>
-              </a:lnSpc>
-            </a:pPr>
-            <a:r>
-              <a:rPr lang="ru-RU" dirty="0">
-                <a:solidFill>
-                  <a:schemeClr val="tx1"/>
-                </a:solidFill>
-              </a:rPr>
-              <a:t>Д</a:t>
-            </a:r>
-            <a:r>
-              <a:rPr lang="ru-RU" dirty="0" smtClean="0">
-                <a:solidFill>
-                  <a:schemeClr val="tx1"/>
-                </a:solidFill>
-              </a:rPr>
-              <a:t>ля анализа использования кадровых ресурсов, планирования и оптимизации рабочего времени и начисления </a:t>
-            </a:r>
-            <a:r>
-              <a:rPr lang="ru-RU" dirty="0">
-                <a:solidFill>
-                  <a:schemeClr val="tx1"/>
-                </a:solidFill>
-              </a:rPr>
-              <a:t>заработной </a:t>
-            </a:r>
-            <a:r>
-              <a:rPr lang="ru-RU" dirty="0" smtClean="0">
-                <a:solidFill>
-                  <a:schemeClr val="tx1"/>
-                </a:solidFill>
-              </a:rPr>
-              <a:t>платы</a:t>
-            </a:r>
-          </a:p>
-          <a:p>
-            <a:pPr marL="114300" indent="0">
-              <a:lnSpc>
-                <a:spcPct val="100000"/>
-              </a:lnSpc>
-              <a:buNone/>
-            </a:pPr>
-            <a:r>
-              <a:rPr lang="ru-RU" dirty="0">
-                <a:solidFill>
-                  <a:schemeClr val="tx1"/>
-                </a:solidFill>
-              </a:rPr>
-              <a:t>    </a:t>
-            </a:r>
-            <a:endParaRPr lang="ru-RU" dirty="0" smtClean="0">
-              <a:solidFill>
-                <a:schemeClr val="tx1"/>
-              </a:solidFill>
-            </a:endParaRPr>
-          </a:p>
-          <a:p>
-            <a:pPr marL="114300" indent="0">
-              <a:lnSpc>
-                <a:spcPct val="100000"/>
-              </a:lnSpc>
-              <a:buNone/>
-            </a:pPr>
-            <a:r>
-              <a:rPr lang="ru-RU" dirty="0" smtClean="0">
-                <a:solidFill>
-                  <a:schemeClr val="tx1"/>
-                </a:solidFill>
-              </a:rPr>
-              <a:t>С </a:t>
-            </a:r>
-            <a:r>
-              <a:rPr lang="ru-RU" dirty="0">
-                <a:solidFill>
-                  <a:schemeClr val="tx1"/>
-                </a:solidFill>
-              </a:rPr>
-              <a:t>научной точки зрения автоматизированные системы могут внедрятся для </a:t>
-            </a:r>
-            <a:r>
-              <a:rPr lang="ru-RU" dirty="0" smtClean="0">
-                <a:solidFill>
-                  <a:schemeClr val="tx1"/>
-                </a:solidFill>
-              </a:rPr>
-              <a:t>минимизации явления перегорания сотрудника </a:t>
-            </a:r>
-            <a:r>
-              <a:rPr lang="ru-RU" dirty="0">
-                <a:solidFill>
-                  <a:schemeClr val="tx1"/>
-                </a:solidFill>
-              </a:rPr>
-              <a:t>на </a:t>
-            </a:r>
-            <a:r>
-              <a:rPr lang="ru-RU" dirty="0" smtClean="0">
-                <a:solidFill>
-                  <a:schemeClr val="tx1"/>
-                </a:solidFill>
-              </a:rPr>
-              <a:t>рабочем месте, ведь это негативно </a:t>
-            </a:r>
-            <a:r>
-              <a:rPr lang="ru-RU" dirty="0">
-                <a:solidFill>
-                  <a:schemeClr val="tx1"/>
-                </a:solidFill>
-              </a:rPr>
-              <a:t>отражается на </a:t>
-            </a:r>
-            <a:r>
-              <a:rPr lang="ru-RU" dirty="0" smtClean="0">
-                <a:solidFill>
-                  <a:schemeClr val="tx1"/>
-                </a:solidFill>
-              </a:rPr>
-              <a:t>деятельности компании, </a:t>
-            </a:r>
-            <a:r>
-              <a:rPr lang="ru-RU" dirty="0">
-                <a:solidFill>
-                  <a:schemeClr val="tx1"/>
-                </a:solidFill>
-              </a:rPr>
-              <a:t>но и на </a:t>
-            </a:r>
-            <a:r>
-              <a:rPr lang="ru-RU" dirty="0" smtClean="0">
-                <a:solidFill>
-                  <a:schemeClr val="tx1"/>
-                </a:solidFill>
-              </a:rPr>
-              <a:t>физическом и психологическом здоровье человека.</a:t>
-            </a:r>
-            <a:endParaRPr dirty="0">
               <a:solidFill>
                 <a:schemeClr val="tx1"/>
               </a:solidFill>
@@ -9816,7 +9993,11 @@
             </a:r>
           </a:p>
           <a:p>
-            <a:pPr lvl="0"/>
+            <a:pPr lvl="0">
+              <a:lnSpc>
+                <a:spcPct val="150000"/>
+              </a:lnSpc>
+            </a:pPr>
             <a:r>
               <a:rPr lang="ru-RU" sz="1600" dirty="0" smtClean="0">
                 <a:solidFill>
@@ -9827,17 +10008,11 @@
             </a:r>
           </a:p>
           <a:p>
-            <a:pPr lvl="0"/>
-            <a:r>
-              <a:rPr lang="ru-RU" sz="1600" dirty="0" smtClean="0">
-                <a:solidFill>
-                  <a:schemeClr val="tx1"/>
-                </a:solidFill>
-              </a:rPr>
-              <a:t>Корректировка рабочей деятельности сотрудника;</a:t>
-            </a:r>
-          </a:p>
-          <a:p>
+            <a:pPr>
+              <a:lnSpc>
+                <a:spcPct val="150000"/>
+              </a:lnSpc>
+            </a:pPr>
             <a:r>
               <a:rPr lang="ru-RU" sz="1600" dirty="0" smtClean="0">
                 <a:solidFill>
@@ -10018,80 +10193,8 @@
                   <a:schemeClr val="tx1"/>
                 </a:solidFill>
               </a:rPr>
-              <a:t>системы</a:t>
-            </a:r>
-            <a:r>
-              <a:rPr lang="ru-RU" dirty="0" smtClean="0">
-                <a:solidFill>
-                  <a:schemeClr val="tx1"/>
-                </a:solidFill>
-              </a:rPr>
-              <a:t>;</a:t>
-            </a:r>
-          </a:p>
-          <a:p>
-            <a:pPr>
-              <a:lnSpc>
-                <a:spcPct val="150000"/>
-              </a:lnSpc>
-            </a:pPr>
-            <a:endParaRPr lang="ru-RU" dirty="0">
-              <a:solidFill>
-                <a:schemeClr val="tx1"/>
-              </a:solidFill>
-            </a:endParaRPr>
-          </a:p>
-          <a:p>
-            <a:pPr>
-              <a:lnSpc>
-                <a:spcPct val="150000"/>
-              </a:lnSpc>
-            </a:pPr>
-            <a:r>
-              <a:rPr lang="ru-RU" dirty="0">
-                <a:solidFill>
-                  <a:schemeClr val="tx1"/>
-                </a:solidFill>
-              </a:rPr>
-              <a:t>О</a:t>
-            </a:r>
-            <a:r>
-              <a:rPr lang="ru-RU" dirty="0" smtClean="0">
-                <a:solidFill>
-                  <a:schemeClr val="tx1"/>
-                </a:solidFill>
-              </a:rPr>
-              <a:t>дновременная </a:t>
-            </a:r>
-            <a:r>
-              <a:rPr lang="ru-RU" dirty="0">
-                <a:solidFill>
-                  <a:schemeClr val="tx1"/>
-                </a:solidFill>
-              </a:rPr>
-              <a:t>работа с ресурсом для </a:t>
-            </a:r>
-            <a:r>
-              <a:rPr lang="ru-RU" dirty="0" smtClean="0">
-                <a:solidFill>
-                  <a:schemeClr val="tx1"/>
-                </a:solidFill>
-              </a:rPr>
-              <a:t>30 </a:t>
-            </a:r>
-            <a:r>
-              <a:rPr lang="ru-RU" dirty="0">
-                <a:solidFill>
-                  <a:schemeClr val="tx1"/>
-                </a:solidFill>
-              </a:rPr>
-              <a:t>пользователей</a:t>
-            </a:r>
-            <a:endParaRPr lang="ru-RU" dirty="0" smtClean="0">
-              <a:solidFill>
-                <a:schemeClr val="tx1"/>
-              </a:solidFill>
-            </a:endParaRPr>
+              <a:t>системы.</a:t>
+            </a:r>
           </a:p>
           <a:p>
             <a:pPr marL="114300" indent="0">
@@ -10599,15 +10702,7 @@
                   <a:schemeClr val="tx1"/>
                 </a:solidFill>
               </a:rPr>
-              <a:t>язык программирования, со следующими установленными </a:t>
-            </a:r>
-            <a:r>
-              <a:rPr lang="ru-RU" dirty="0" smtClean="0">
-                <a:solidFill>
-                  <a:schemeClr val="tx1"/>
-                </a:solidFill>
-              </a:rPr>
-              <a:t>библиотеками:</a:t>
+              <a:t>язык программирования, со следующими установленными библиотеками:</a:t>
             </a:r>
           </a:p>
           <a:p>
@@ -10832,11 +10927,6 @@
               </a:rPr>
               <a:t>ite3</a:t>
             </a:r>
-            <a:endParaRPr lang="ru-RU" sz="1800" dirty="0" smtClean="0">
-              <a:solidFill>
-                <a:schemeClr val="tx1"/>
-              </a:solidFill>
-            </a:endParaRPr>
           </a:p>
           <a:p>
             <a:pPr marL="285750" indent="-285750">
